--- a/PyETL/ppt/data_architect_assesment_v1.pptx
+++ b/PyETL/ppt/data_architect_assesment_v1.pptx
@@ -14,7 +14,7 @@
     <p:sldId id="259" r:id="rId5"/>
     <p:sldId id="260" r:id="rId6"/>
     <p:sldId id="261" r:id="rId7"/>
-    <p:sldId id="263" r:id="rId8"/>
+    <p:sldId id="264" r:id="rId8"/>
     <p:sldId id="262" r:id="rId9"/>
   </p:sldIdLst>
   <p:sldSz cx="12192000" cy="6858000"/>
@@ -204,7 +204,7 @@
           <a:p>
             <a:fld id="{EDCBA2F0-E10E-47B0-BDF6-38280A387AD4}" type="datetimeFigureOut">
               <a:rPr lang="es-ES" smtClean="0"/>
-              <a:t>07/06/2025</a:t>
+              <a:t>10/06/2025</a:t>
             </a:fld>
             <a:endParaRPr lang="es-ES"/>
           </a:p>
@@ -887,7 +887,7 @@
         <p:cNvPr id="1" name="">
           <a:extLst>
             <a:ext uri="{FF2B5EF4-FFF2-40B4-BE49-F238E27FC236}">
-              <a16:creationId xmlns:a16="http://schemas.microsoft.com/office/drawing/2014/main" id="{E684A99B-B361-7853-C3D0-91E46A52CEC2}"/>
+              <a16:creationId xmlns:a16="http://schemas.microsoft.com/office/drawing/2014/main" id="{458B9771-85FD-798F-3615-A1283215FBBC}"/>
             </a:ext>
           </a:extLst>
         </p:cNvPr>
@@ -907,7 +907,7 @@
           <p:cNvPr id="2" name="Marcador de imagen de diapositiva 1">
             <a:extLst>
               <a:ext uri="{FF2B5EF4-FFF2-40B4-BE49-F238E27FC236}">
-                <a16:creationId xmlns:a16="http://schemas.microsoft.com/office/drawing/2014/main" id="{B79E229C-CC29-3E5E-315D-96129541655F}"/>
+                <a16:creationId xmlns:a16="http://schemas.microsoft.com/office/drawing/2014/main" id="{DAFA9BC8-79A2-1E52-C830-B58E0D55963C}"/>
               </a:ext>
             </a:extLst>
           </p:cNvPr>
@@ -925,7 +925,7 @@
           <p:cNvPr id="3" name="Marcador de notas 2">
             <a:extLst>
               <a:ext uri="{FF2B5EF4-FFF2-40B4-BE49-F238E27FC236}">
-                <a16:creationId xmlns:a16="http://schemas.microsoft.com/office/drawing/2014/main" id="{ECFB765F-2F96-A4E5-0F94-073B1863C288}"/>
+                <a16:creationId xmlns:a16="http://schemas.microsoft.com/office/drawing/2014/main" id="{24101E55-26A0-1400-4C07-6C3493204906}"/>
               </a:ext>
             </a:extLst>
           </p:cNvPr>
@@ -950,7 +950,7 @@
           <p:cNvPr id="4" name="Marcador de número de diapositiva 3">
             <a:extLst>
               <a:ext uri="{FF2B5EF4-FFF2-40B4-BE49-F238E27FC236}">
-                <a16:creationId xmlns:a16="http://schemas.microsoft.com/office/drawing/2014/main" id="{E116BF92-57B7-27F0-A8AC-371591F7B246}"/>
+                <a16:creationId xmlns:a16="http://schemas.microsoft.com/office/drawing/2014/main" id="{41430936-A39E-80E5-74F6-9FF13FDE3BC3}"/>
               </a:ext>
             </a:extLst>
           </p:cNvPr>
@@ -977,7 +977,7 @@
     </p:spTree>
     <p:extLst>
       <p:ext uri="{BB962C8B-B14F-4D97-AF65-F5344CB8AC3E}">
-        <p14:creationId xmlns:p14="http://schemas.microsoft.com/office/powerpoint/2010/main" val="2290541257"/>
+        <p14:creationId xmlns:p14="http://schemas.microsoft.com/office/powerpoint/2010/main" val="1137537697"/>
       </p:ext>
     </p:extLst>
   </p:cSld>
@@ -1242,7 +1242,7 @@
           <a:p>
             <a:fld id="{7F7C870E-C982-4C2B-923F-19C955A8CC80}" type="datetimeFigureOut">
               <a:rPr lang="es-ES" smtClean="0"/>
-              <a:t>07/06/2025</a:t>
+              <a:t>10/06/2025</a:t>
             </a:fld>
             <a:endParaRPr lang="es-ES"/>
           </a:p>
@@ -1440,7 +1440,7 @@
           <a:p>
             <a:fld id="{7F7C870E-C982-4C2B-923F-19C955A8CC80}" type="datetimeFigureOut">
               <a:rPr lang="es-ES" smtClean="0"/>
-              <a:t>07/06/2025</a:t>
+              <a:t>10/06/2025</a:t>
             </a:fld>
             <a:endParaRPr lang="es-ES"/>
           </a:p>
@@ -1648,7 +1648,7 @@
           <a:p>
             <a:fld id="{7F7C870E-C982-4C2B-923F-19C955A8CC80}" type="datetimeFigureOut">
               <a:rPr lang="es-ES" smtClean="0"/>
-              <a:t>07/06/2025</a:t>
+              <a:t>10/06/2025</a:t>
             </a:fld>
             <a:endParaRPr lang="es-ES"/>
           </a:p>
@@ -1846,7 +1846,7 @@
           <a:p>
             <a:fld id="{7F7C870E-C982-4C2B-923F-19C955A8CC80}" type="datetimeFigureOut">
               <a:rPr lang="es-ES" smtClean="0"/>
-              <a:t>07/06/2025</a:t>
+              <a:t>10/06/2025</a:t>
             </a:fld>
             <a:endParaRPr lang="es-ES"/>
           </a:p>
@@ -2121,7 +2121,7 @@
           <a:p>
             <a:fld id="{7F7C870E-C982-4C2B-923F-19C955A8CC80}" type="datetimeFigureOut">
               <a:rPr lang="es-ES" smtClean="0"/>
-              <a:t>07/06/2025</a:t>
+              <a:t>10/06/2025</a:t>
             </a:fld>
             <a:endParaRPr lang="es-ES"/>
           </a:p>
@@ -2386,7 +2386,7 @@
           <a:p>
             <a:fld id="{7F7C870E-C982-4C2B-923F-19C955A8CC80}" type="datetimeFigureOut">
               <a:rPr lang="es-ES" smtClean="0"/>
-              <a:t>07/06/2025</a:t>
+              <a:t>10/06/2025</a:t>
             </a:fld>
             <a:endParaRPr lang="es-ES"/>
           </a:p>
@@ -2798,7 +2798,7 @@
           <a:p>
             <a:fld id="{7F7C870E-C982-4C2B-923F-19C955A8CC80}" type="datetimeFigureOut">
               <a:rPr lang="es-ES" smtClean="0"/>
-              <a:t>07/06/2025</a:t>
+              <a:t>10/06/2025</a:t>
             </a:fld>
             <a:endParaRPr lang="es-ES"/>
           </a:p>
@@ -2939,7 +2939,7 @@
           <a:p>
             <a:fld id="{7F7C870E-C982-4C2B-923F-19C955A8CC80}" type="datetimeFigureOut">
               <a:rPr lang="es-ES" smtClean="0"/>
-              <a:t>07/06/2025</a:t>
+              <a:t>10/06/2025</a:t>
             </a:fld>
             <a:endParaRPr lang="es-ES"/>
           </a:p>
@@ -3052,7 +3052,7 @@
           <a:p>
             <a:fld id="{7F7C870E-C982-4C2B-923F-19C955A8CC80}" type="datetimeFigureOut">
               <a:rPr lang="es-ES" smtClean="0"/>
-              <a:t>07/06/2025</a:t>
+              <a:t>10/06/2025</a:t>
             </a:fld>
             <a:endParaRPr lang="es-ES"/>
           </a:p>
@@ -3363,7 +3363,7 @@
           <a:p>
             <a:fld id="{7F7C870E-C982-4C2B-923F-19C955A8CC80}" type="datetimeFigureOut">
               <a:rPr lang="es-ES" smtClean="0"/>
-              <a:t>07/06/2025</a:t>
+              <a:t>10/06/2025</a:t>
             </a:fld>
             <a:endParaRPr lang="es-ES"/>
           </a:p>
@@ -3651,7 +3651,7 @@
           <a:p>
             <a:fld id="{7F7C870E-C982-4C2B-923F-19C955A8CC80}" type="datetimeFigureOut">
               <a:rPr lang="es-ES" smtClean="0"/>
-              <a:t>07/06/2025</a:t>
+              <a:t>10/06/2025</a:t>
             </a:fld>
             <a:endParaRPr lang="es-ES"/>
           </a:p>
@@ -3892,7 +3892,7 @@
           <a:p>
             <a:fld id="{7F7C870E-C982-4C2B-923F-19C955A8CC80}" type="datetimeFigureOut">
               <a:rPr lang="es-ES" smtClean="0"/>
-              <a:t>07/06/2025</a:t>
+              <a:t>10/06/2025</a:t>
             </a:fld>
             <a:endParaRPr lang="es-ES"/>
           </a:p>
@@ -5142,21 +5142,8 @@
           <a:p>
             <a:r>
               <a:rPr lang="es-ES" sz="2400" dirty="0"/>
-              <a:t>Data </a:t>
-            </a:r>
-            <a:r>
-              <a:rPr lang="es-ES" sz="2400" dirty="0" err="1"/>
-              <a:t>Architect</a:t>
-            </a:r>
-            <a:r>
-              <a:rPr lang="es-ES" sz="2400" dirty="0"/>
-              <a:t> </a:t>
-            </a:r>
-            <a:r>
-              <a:rPr lang="es-ES" sz="2400" dirty="0" err="1"/>
-              <a:t>Assesment</a:t>
-            </a:r>
-            <a:endParaRPr lang="es-ES" sz="2400" dirty="0"/>
+              <a:t>Data Architect Assesment</a:t>
+            </a:r>
           </a:p>
           <a:p>
             <a:r>
@@ -5313,13 +5300,8 @@
             </a:r>
             <a:r>
               <a:rPr lang="es-ES" sz="2400" dirty="0"/>
-              <a:t> </a:t>
-            </a:r>
-            <a:r>
-              <a:rPr lang="es-ES" sz="2400" dirty="0" err="1"/>
-              <a:t>Architecture</a:t>
-            </a:r>
-            <a:endParaRPr lang="es-ES" sz="2400" dirty="0"/>
+              <a:t> Architecture</a:t>
+            </a:r>
           </a:p>
           <a:p>
             <a:pPr marL="0" indent="0">
@@ -5591,23 +5573,7 @@
           <a:p>
             <a:r>
               <a:rPr lang="es-ES" sz="800" dirty="0"/>
-              <a:t>Data </a:t>
-            </a:r>
-            <a:r>
-              <a:rPr lang="es-ES" sz="800" dirty="0" err="1"/>
-              <a:t>Architect</a:t>
-            </a:r>
-            <a:r>
-              <a:rPr lang="es-ES" sz="800" dirty="0"/>
-              <a:t> </a:t>
-            </a:r>
-            <a:r>
-              <a:rPr lang="es-ES" sz="800" dirty="0" err="1"/>
-              <a:t>Assesment</a:t>
-            </a:r>
-            <a:r>
-              <a:rPr lang="es-ES" sz="800" dirty="0"/>
-              <a:t> - Rosa Mestres | June 2025</a:t>
+              <a:t>Data Architect Assesment - Rosa Mestres | June 2025</a:t>
             </a:r>
           </a:p>
         </p:txBody>
@@ -6998,23 +6964,7 @@
           <a:p>
             <a:r>
               <a:rPr lang="es-ES" sz="800" dirty="0"/>
-              <a:t>Data </a:t>
-            </a:r>
-            <a:r>
-              <a:rPr lang="es-ES" sz="800" dirty="0" err="1"/>
-              <a:t>Architect</a:t>
-            </a:r>
-            <a:r>
-              <a:rPr lang="es-ES" sz="800" dirty="0"/>
-              <a:t> </a:t>
-            </a:r>
-            <a:r>
-              <a:rPr lang="es-ES" sz="800" dirty="0" err="1"/>
-              <a:t>Assesment</a:t>
-            </a:r>
-            <a:r>
-              <a:rPr lang="es-ES" sz="800" dirty="0"/>
-              <a:t> - Rosa Mestres | June 2025</a:t>
+              <a:t>Data Architect Assesment - Rosa Mestres | June 2025</a:t>
             </a:r>
           </a:p>
         </p:txBody>
@@ -9434,23 +9384,7 @@
           <a:p>
             <a:r>
               <a:rPr lang="es-ES" sz="1000" dirty="0"/>
-              <a:t>Data </a:t>
-            </a:r>
-            <a:r>
-              <a:rPr lang="es-ES" sz="1000" dirty="0" err="1"/>
-              <a:t>Architect</a:t>
-            </a:r>
-            <a:r>
-              <a:rPr lang="es-ES" sz="1000" dirty="0"/>
-              <a:t> </a:t>
-            </a:r>
-            <a:r>
-              <a:rPr lang="es-ES" sz="1000" dirty="0" err="1"/>
-              <a:t>Assesment</a:t>
-            </a:r>
-            <a:r>
-              <a:rPr lang="es-ES" sz="1000" dirty="0"/>
-              <a:t> - </a:t>
+              <a:t>Data Architect Assesment - </a:t>
             </a:r>
             <a:r>
               <a:rPr lang="es-ES" sz="800" dirty="0"/>
@@ -12054,23 +11988,7 @@
           <a:p>
             <a:r>
               <a:rPr lang="es-ES" sz="1000" dirty="0"/>
-              <a:t>Data </a:t>
-            </a:r>
-            <a:r>
-              <a:rPr lang="es-ES" sz="1000" dirty="0" err="1"/>
-              <a:t>Architect</a:t>
-            </a:r>
-            <a:r>
-              <a:rPr lang="es-ES" sz="1000" dirty="0"/>
-              <a:t> </a:t>
-            </a:r>
-            <a:r>
-              <a:rPr lang="es-ES" sz="1000" dirty="0" err="1"/>
-              <a:t>Assesment</a:t>
-            </a:r>
-            <a:r>
-              <a:rPr lang="es-ES" sz="1000" dirty="0"/>
-              <a:t> - </a:t>
+              <a:t>Data Architect Assesment - </a:t>
             </a:r>
             <a:r>
               <a:rPr lang="es-ES" sz="800" dirty="0"/>
@@ -12283,27 +12201,8 @@
                 <a:ea typeface="Proxima Nova Semibold" charset="0"/>
                 <a:cs typeface="Proxima Nova Semibold" charset="0"/>
               </a:rPr>
-              <a:t>03 Estimated </a:t>
-            </a:r>
-            <a:r>
-              <a:rPr lang="en-US" sz="2400" b="1" dirty="0" err="1">
-                <a:solidFill>
-                  <a:srgbClr val="0057A6"/>
-                </a:solidFill>
-                <a:latin typeface="Proxima Nova Semibold" charset="0"/>
-                <a:ea typeface="Proxima Nova Semibold" charset="0"/>
-                <a:cs typeface="Proxima Nova Semibold" charset="0"/>
-              </a:rPr>
-              <a:t>investiment</a:t>
-            </a:r>
-            <a:endParaRPr lang="en-US" sz="2400" b="1" dirty="0">
-              <a:solidFill>
-                <a:srgbClr val="0057A6"/>
-              </a:solidFill>
-              <a:latin typeface="Proxima Nova Semibold" charset="0"/>
-              <a:ea typeface="Proxima Nova Semibold" charset="0"/>
-              <a:cs typeface="Proxima Nova Semibold" charset="0"/>
-            </a:endParaRPr>
+              <a:t>03 Estimated investiment</a:t>
+            </a:r>
           </a:p>
         </p:txBody>
       </p:sp>
@@ -12512,10 +12411,18 @@
               <a:buChar char="§"/>
             </a:pPr>
             <a:r>
-              <a:rPr lang="en-US" sz="1200" dirty="0"/>
-              <a:t>Time-to-insight reduced from days to minutes</a:t>
-            </a:r>
-            <a:endParaRPr lang="es-ES" sz="1200" dirty="0"/>
+              <a:rPr lang="en-US" sz="1200" dirty="0">
+                <a:solidFill>
+                  <a:schemeClr val="tx1"/>
+                </a:solidFill>
+              </a:rPr>
+              <a:t>Time-to-insight reduced</a:t>
+            </a:r>
+            <a:endParaRPr lang="es-ES" sz="1200" dirty="0">
+              <a:solidFill>
+                <a:schemeClr val="tx1"/>
+              </a:solidFill>
+            </a:endParaRPr>
           </a:p>
           <a:p>
             <a:pPr marL="285750" indent="-285750">
@@ -12980,178 +12887,127 @@
           </p:txBody>
         </p:sp>
       </p:grpSp>
-      <p:grpSp>
-        <p:nvGrpSpPr>
-          <p:cNvPr id="66" name="Grupo 65">
-            <a:extLst>
-              <a:ext uri="{FF2B5EF4-FFF2-40B4-BE49-F238E27FC236}">
-                <a16:creationId xmlns:a16="http://schemas.microsoft.com/office/drawing/2014/main" id="{BDB01B57-D4F0-CFF9-4B79-CA03B3750AB1}"/>
-              </a:ext>
-            </a:extLst>
-          </p:cNvPr>
-          <p:cNvGrpSpPr/>
+      <p:sp>
+        <p:nvSpPr>
+          <p:cNvPr id="58" name="Diagrama de flujo: conector 57">
+            <a:extLst>
+              <a:ext uri="{FF2B5EF4-FFF2-40B4-BE49-F238E27FC236}">
+                <a16:creationId xmlns:a16="http://schemas.microsoft.com/office/drawing/2014/main" id="{BAC2EED9-D77B-7D47-157F-5C95E6D3609E}"/>
+              </a:ext>
+            </a:extLst>
+          </p:cNvPr>
+          <p:cNvSpPr/>
           <p:nvPr/>
-        </p:nvGrpSpPr>
-        <p:grpSpPr>
+        </p:nvSpPr>
+        <p:spPr>
           <a:xfrm>
             <a:off x="6593877" y="5187747"/>
             <a:ext cx="795013" cy="841063"/>
-            <a:chOff x="5393421" y="1781834"/>
-            <a:chExt cx="795013" cy="841063"/>
           </a:xfrm>
-        </p:grpSpPr>
-        <p:pic>
-          <p:nvPicPr>
-            <p:cNvPr id="54" name="Imagen 53">
-              <a:extLst>
-                <a:ext uri="{FF2B5EF4-FFF2-40B4-BE49-F238E27FC236}">
-                  <a16:creationId xmlns:a16="http://schemas.microsoft.com/office/drawing/2014/main" id="{6985E5FA-4B25-E96A-73D2-E8E465F5AB57}"/>
-                </a:ext>
-              </a:extLst>
-            </p:cNvPr>
-            <p:cNvPicPr>
-              <a:picLocks noChangeAspect="1"/>
-            </p:cNvPicPr>
-            <p:nvPr/>
-          </p:nvPicPr>
-          <p:blipFill>
-            <a:blip r:embed="rId5"/>
-            <a:stretch>
-              <a:fillRect/>
-            </a:stretch>
-          </p:blipFill>
-          <p:spPr>
-            <a:xfrm>
-              <a:off x="5509812" y="2032761"/>
-              <a:ext cx="581988" cy="432760"/>
-            </a:xfrm>
-            <a:prstGeom prst="rect">
-              <a:avLst/>
-            </a:prstGeom>
-          </p:spPr>
-        </p:pic>
-        <p:sp>
-          <p:nvSpPr>
-            <p:cNvPr id="58" name="Diagrama de flujo: conector 57">
-              <a:extLst>
-                <a:ext uri="{FF2B5EF4-FFF2-40B4-BE49-F238E27FC236}">
-                  <a16:creationId xmlns:a16="http://schemas.microsoft.com/office/drawing/2014/main" id="{BAC2EED9-D77B-7D47-157F-5C95E6D3609E}"/>
-                </a:ext>
-              </a:extLst>
-            </p:cNvPr>
-            <p:cNvSpPr/>
-            <p:nvPr/>
-          </p:nvSpPr>
-          <p:spPr>
-            <a:xfrm>
-              <a:off x="5393421" y="1781834"/>
-              <a:ext cx="795013" cy="841063"/>
-            </a:xfrm>
-            <a:prstGeom prst="flowChartConnector">
-              <a:avLst/>
-            </a:prstGeom>
-            <a:noFill/>
-            <a:ln>
-              <a:prstDash val="sysDot"/>
-              <a:extLst>
-                <a:ext uri="{C807C97D-BFC1-408E-A445-0C87EB9F89A2}">
-                  <ask:lineSketchStyleProps xmlns:ask="http://schemas.microsoft.com/office/drawing/2018/sketchyshapes" sd="1219033472">
-                    <a:custGeom>
-                      <a:avLst/>
-                      <a:gdLst>
-                        <a:gd name="connsiteX0" fmla="*/ 0 w 676102"/>
-                        <a:gd name="connsiteY0" fmla="*/ 374904 h 749808"/>
-                        <a:gd name="connsiteX1" fmla="*/ 338051 w 676102"/>
-                        <a:gd name="connsiteY1" fmla="*/ 0 h 749808"/>
-                        <a:gd name="connsiteX2" fmla="*/ 676102 w 676102"/>
-                        <a:gd name="connsiteY2" fmla="*/ 374904 h 749808"/>
-                        <a:gd name="connsiteX3" fmla="*/ 338051 w 676102"/>
-                        <a:gd name="connsiteY3" fmla="*/ 749808 h 749808"/>
-                        <a:gd name="connsiteX4" fmla="*/ 0 w 676102"/>
-                        <a:gd name="connsiteY4" fmla="*/ 374904 h 749808"/>
-                      </a:gdLst>
-                      <a:ahLst/>
-                      <a:cxnLst>
-                        <a:cxn ang="0">
-                          <a:pos x="connsiteX0" y="connsiteY0"/>
-                        </a:cxn>
-                        <a:cxn ang="0">
-                          <a:pos x="connsiteX1" y="connsiteY1"/>
-                        </a:cxn>
-                        <a:cxn ang="0">
-                          <a:pos x="connsiteX2" y="connsiteY2"/>
-                        </a:cxn>
-                        <a:cxn ang="0">
-                          <a:pos x="connsiteX3" y="connsiteY3"/>
-                        </a:cxn>
-                        <a:cxn ang="0">
-                          <a:pos x="connsiteX4" y="connsiteY4"/>
-                        </a:cxn>
-                      </a:cxnLst>
-                      <a:rect l="l" t="t" r="r" b="b"/>
-                      <a:pathLst>
-                        <a:path w="676102" h="749808" extrusionOk="0">
-                          <a:moveTo>
-                            <a:pt x="0" y="374904"/>
-                          </a:moveTo>
-                          <a:cubicBezTo>
-                            <a:pt x="-3401" y="165752"/>
-                            <a:pt x="121880" y="11061"/>
-                            <a:pt x="338051" y="0"/>
-                          </a:cubicBezTo>
-                          <a:cubicBezTo>
-                            <a:pt x="554033" y="6165"/>
-                            <a:pt x="615003" y="169793"/>
-                            <a:pt x="676102" y="374904"/>
-                          </a:cubicBezTo>
-                          <a:cubicBezTo>
-                            <a:pt x="637215" y="619934"/>
-                            <a:pt x="518397" y="784930"/>
-                            <a:pt x="338051" y="749808"/>
-                          </a:cubicBezTo>
-                          <a:cubicBezTo>
-                            <a:pt x="140595" y="743923"/>
-                            <a:pt x="4986" y="584340"/>
-                            <a:pt x="0" y="374904"/>
-                          </a:cubicBezTo>
-                          <a:close/>
-                        </a:path>
-                      </a:pathLst>
-                    </a:custGeom>
-                    <ask:type>
-                      <ask:lineSketchNone/>
-                    </ask:type>
-                  </ask:lineSketchStyleProps>
-                </a:ext>
-              </a:extLst>
-            </a:ln>
-          </p:spPr>
-          <p:style>
-            <a:lnRef idx="2">
-              <a:schemeClr val="accent1">
-                <a:shade val="15000"/>
-              </a:schemeClr>
-            </a:lnRef>
-            <a:fillRef idx="1">
-              <a:schemeClr val="accent1"/>
-            </a:fillRef>
-            <a:effectRef idx="0">
-              <a:schemeClr val="accent1"/>
-            </a:effectRef>
-            <a:fontRef idx="minor">
-              <a:schemeClr val="lt1"/>
-            </a:fontRef>
-          </p:style>
-          <p:txBody>
-            <a:bodyPr rtlCol="0" anchor="ctr"/>
-            <a:lstStyle/>
-            <a:p>
-              <a:pPr algn="ctr"/>
-              <a:endParaRPr lang="es-ES"/>
-            </a:p>
-          </p:txBody>
-        </p:sp>
-      </p:grpSp>
+          <a:prstGeom prst="flowChartConnector">
+            <a:avLst/>
+          </a:prstGeom>
+          <a:noFill/>
+          <a:ln>
+            <a:prstDash val="sysDot"/>
+            <a:extLst>
+              <a:ext uri="{C807C97D-BFC1-408E-A445-0C87EB9F89A2}">
+                <ask:lineSketchStyleProps xmlns:ask="http://schemas.microsoft.com/office/drawing/2018/sketchyshapes" sd="1219033472">
+                  <a:custGeom>
+                    <a:avLst/>
+                    <a:gdLst>
+                      <a:gd name="connsiteX0" fmla="*/ 0 w 676102"/>
+                      <a:gd name="connsiteY0" fmla="*/ 374904 h 749808"/>
+                      <a:gd name="connsiteX1" fmla="*/ 338051 w 676102"/>
+                      <a:gd name="connsiteY1" fmla="*/ 0 h 749808"/>
+                      <a:gd name="connsiteX2" fmla="*/ 676102 w 676102"/>
+                      <a:gd name="connsiteY2" fmla="*/ 374904 h 749808"/>
+                      <a:gd name="connsiteX3" fmla="*/ 338051 w 676102"/>
+                      <a:gd name="connsiteY3" fmla="*/ 749808 h 749808"/>
+                      <a:gd name="connsiteX4" fmla="*/ 0 w 676102"/>
+                      <a:gd name="connsiteY4" fmla="*/ 374904 h 749808"/>
+                    </a:gdLst>
+                    <a:ahLst/>
+                    <a:cxnLst>
+                      <a:cxn ang="0">
+                        <a:pos x="connsiteX0" y="connsiteY0"/>
+                      </a:cxn>
+                      <a:cxn ang="0">
+                        <a:pos x="connsiteX1" y="connsiteY1"/>
+                      </a:cxn>
+                      <a:cxn ang="0">
+                        <a:pos x="connsiteX2" y="connsiteY2"/>
+                      </a:cxn>
+                      <a:cxn ang="0">
+                        <a:pos x="connsiteX3" y="connsiteY3"/>
+                      </a:cxn>
+                      <a:cxn ang="0">
+                        <a:pos x="connsiteX4" y="connsiteY4"/>
+                      </a:cxn>
+                    </a:cxnLst>
+                    <a:rect l="l" t="t" r="r" b="b"/>
+                    <a:pathLst>
+                      <a:path w="676102" h="749808" extrusionOk="0">
+                        <a:moveTo>
+                          <a:pt x="0" y="374904"/>
+                        </a:moveTo>
+                        <a:cubicBezTo>
+                          <a:pt x="-3401" y="165752"/>
+                          <a:pt x="121880" y="11061"/>
+                          <a:pt x="338051" y="0"/>
+                        </a:cubicBezTo>
+                        <a:cubicBezTo>
+                          <a:pt x="554033" y="6165"/>
+                          <a:pt x="615003" y="169793"/>
+                          <a:pt x="676102" y="374904"/>
+                        </a:cubicBezTo>
+                        <a:cubicBezTo>
+                          <a:pt x="637215" y="619934"/>
+                          <a:pt x="518397" y="784930"/>
+                          <a:pt x="338051" y="749808"/>
+                        </a:cubicBezTo>
+                        <a:cubicBezTo>
+                          <a:pt x="140595" y="743923"/>
+                          <a:pt x="4986" y="584340"/>
+                          <a:pt x="0" y="374904"/>
+                        </a:cubicBezTo>
+                        <a:close/>
+                      </a:path>
+                    </a:pathLst>
+                  </a:custGeom>
+                  <ask:type>
+                    <ask:lineSketchNone/>
+                  </ask:type>
+                </ask:lineSketchStyleProps>
+              </a:ext>
+            </a:extLst>
+          </a:ln>
+        </p:spPr>
+        <p:style>
+          <a:lnRef idx="2">
+            <a:schemeClr val="accent1">
+              <a:shade val="15000"/>
+            </a:schemeClr>
+          </a:lnRef>
+          <a:fillRef idx="1">
+            <a:schemeClr val="accent1"/>
+          </a:fillRef>
+          <a:effectRef idx="0">
+            <a:schemeClr val="accent1"/>
+          </a:effectRef>
+          <a:fontRef idx="minor">
+            <a:schemeClr val="lt1"/>
+          </a:fontRef>
+        </p:style>
+        <p:txBody>
+          <a:bodyPr rtlCol="0" anchor="ctr"/>
+          <a:lstStyle/>
+          <a:p>
+            <a:pPr algn="ctr"/>
+            <a:endParaRPr lang="es-ES"/>
+          </a:p>
+        </p:txBody>
+      </p:sp>
       <p:grpSp>
         <p:nvGrpSpPr>
           <p:cNvPr id="65" name="Grupo 64">
@@ -13186,14 +13042,17 @@
           </p:nvSpPr>
           <p:spPr>
             <a:xfrm>
-              <a:off x="6594655" y="2498528"/>
+              <a:off x="6581531" y="2494841"/>
               <a:ext cx="200675" cy="207829"/>
             </a:xfrm>
             <a:prstGeom prst="flowChartConnector">
               <a:avLst/>
             </a:prstGeom>
             <a:solidFill>
-              <a:schemeClr val="tx1"/>
+              <a:schemeClr val="accent5">
+                <a:lumMod val="60000"/>
+                <a:lumOff val="40000"/>
+              </a:schemeClr>
             </a:solidFill>
             <a:ln>
               <a:solidFill>
@@ -13222,7 +13081,7 @@
             <a:lstStyle/>
             <a:p>
               <a:pPr algn="ctr"/>
-              <a:endParaRPr lang="es-ES"/>
+              <a:endParaRPr lang="es-ES" dirty="0"/>
             </a:p>
           </p:txBody>
         </p:sp>
@@ -13249,7 +13108,10 @@
             <a:noFill/>
             <a:ln>
               <a:solidFill>
-                <a:schemeClr val="tx1"/>
+                <a:schemeClr val="accent5">
+                  <a:lumMod val="60000"/>
+                  <a:lumOff val="40000"/>
+                </a:schemeClr>
               </a:solidFill>
             </a:ln>
           </p:spPr>
@@ -13294,7 +13156,7 @@
           <p:nvPr/>
         </p:nvPicPr>
         <p:blipFill>
-          <a:blip r:embed="rId6"/>
+          <a:blip r:embed="rId5"/>
           <a:stretch>
             <a:fillRect/>
           </a:stretch>
@@ -13344,7 +13206,7 @@
             <p:nvPr/>
           </p:nvPicPr>
           <p:blipFill>
-            <a:blip r:embed="rId7"/>
+            <a:blip r:embed="rId6"/>
             <a:stretch>
               <a:fillRect/>
             </a:stretch>
@@ -13743,7 +13605,7 @@
         </p:nvGrpSpPr>
         <p:grpSpPr>
           <a:xfrm>
-            <a:off x="6494204" y="3357187"/>
+            <a:off x="6512607" y="3439105"/>
             <a:ext cx="397505" cy="369332"/>
             <a:chOff x="5083014" y="2610325"/>
             <a:chExt cx="569641" cy="568151"/>
@@ -13770,17 +13632,11 @@
               <a:avLst/>
             </a:prstGeom>
             <a:solidFill>
-              <a:schemeClr val="accent5">
-                <a:lumMod val="20000"/>
-                <a:lumOff val="80000"/>
-              </a:schemeClr>
+              <a:srgbClr val="F0EFD3"/>
             </a:solidFill>
             <a:ln>
               <a:solidFill>
-                <a:schemeClr val="accent5">
-                  <a:lumMod val="20000"/>
-                  <a:lumOff val="80000"/>
-                </a:schemeClr>
+                <a:srgbClr val="EDEDD5"/>
               </a:solidFill>
             </a:ln>
           </p:spPr>
@@ -13832,10 +13688,7 @@
             <a:noFill/>
             <a:ln>
               <a:solidFill>
-                <a:schemeClr val="accent5">
-                  <a:lumMod val="20000"/>
-                  <a:lumOff val="80000"/>
-                </a:schemeClr>
+                <a:srgbClr val="EDEDD5"/>
               </a:solidFill>
             </a:ln>
           </p:spPr>
@@ -13925,6 +13778,499 @@
             <a:extLst>
               <a:ext uri="{FF2B5EF4-FFF2-40B4-BE49-F238E27FC236}">
                 <a16:creationId xmlns:a16="http://schemas.microsoft.com/office/drawing/2014/main" id="{A5AFDE0B-B762-7435-4907-30D49ACC4A1F}"/>
+              </a:ext>
+            </a:extLst>
+          </p:cNvPr>
+          <p:cNvSpPr/>
+          <p:nvPr/>
+        </p:nvSpPr>
+        <p:spPr>
+          <a:xfrm>
+            <a:off x="6973663" y="3972065"/>
+            <a:ext cx="68069" cy="60905"/>
+          </a:xfrm>
+          <a:prstGeom prst="flowChartConnector">
+            <a:avLst/>
+          </a:prstGeom>
+          <a:solidFill>
+            <a:srgbClr val="EDEDD5"/>
+          </a:solidFill>
+          <a:ln>
+            <a:solidFill>
+              <a:srgbClr val="EDEDD5"/>
+            </a:solidFill>
+          </a:ln>
+        </p:spPr>
+        <p:style>
+          <a:lnRef idx="2">
+            <a:schemeClr val="accent1">
+              <a:shade val="15000"/>
+            </a:schemeClr>
+          </a:lnRef>
+          <a:fillRef idx="1">
+            <a:schemeClr val="accent1"/>
+          </a:fillRef>
+          <a:effectRef idx="0">
+            <a:schemeClr val="accent1"/>
+          </a:effectRef>
+          <a:fontRef idx="minor">
+            <a:schemeClr val="lt1"/>
+          </a:fontRef>
+        </p:style>
+        <p:txBody>
+          <a:bodyPr rtlCol="0" anchor="ctr"/>
+          <a:lstStyle/>
+          <a:p>
+            <a:pPr algn="ctr"/>
+            <a:endParaRPr lang="es-ES"/>
+          </a:p>
+        </p:txBody>
+      </p:sp>
+      <p:sp>
+        <p:nvSpPr>
+          <p:cNvPr id="100" name="Diagrama de flujo: conector 99">
+            <a:extLst>
+              <a:ext uri="{FF2B5EF4-FFF2-40B4-BE49-F238E27FC236}">
+                <a16:creationId xmlns:a16="http://schemas.microsoft.com/office/drawing/2014/main" id="{B8630B52-916E-C2A4-DF23-A643D587C18F}"/>
+              </a:ext>
+            </a:extLst>
+          </p:cNvPr>
+          <p:cNvSpPr/>
+          <p:nvPr/>
+        </p:nvSpPr>
+        <p:spPr>
+          <a:xfrm>
+            <a:off x="6090919" y="5602397"/>
+            <a:ext cx="68069" cy="60905"/>
+          </a:xfrm>
+          <a:prstGeom prst="flowChartConnector">
+            <a:avLst/>
+          </a:prstGeom>
+          <a:solidFill>
+            <a:schemeClr val="accent5">
+              <a:lumMod val="60000"/>
+              <a:lumOff val="40000"/>
+            </a:schemeClr>
+          </a:solidFill>
+          <a:ln>
+            <a:solidFill>
+              <a:schemeClr val="tx1"/>
+            </a:solidFill>
+          </a:ln>
+        </p:spPr>
+        <p:style>
+          <a:lnRef idx="2">
+            <a:schemeClr val="accent1">
+              <a:shade val="15000"/>
+            </a:schemeClr>
+          </a:lnRef>
+          <a:fillRef idx="1">
+            <a:schemeClr val="accent1"/>
+          </a:fillRef>
+          <a:effectRef idx="0">
+            <a:schemeClr val="accent1"/>
+          </a:effectRef>
+          <a:fontRef idx="minor">
+            <a:schemeClr val="lt1"/>
+          </a:fontRef>
+        </p:style>
+        <p:txBody>
+          <a:bodyPr rtlCol="0" anchor="ctr"/>
+          <a:lstStyle/>
+          <a:p>
+            <a:pPr algn="ctr"/>
+            <a:endParaRPr lang="es-ES"/>
+          </a:p>
+        </p:txBody>
+      </p:sp>
+      <p:sp>
+        <p:nvSpPr>
+          <p:cNvPr id="102" name="Diagrama de flujo: conector 101">
+            <a:extLst>
+              <a:ext uri="{FF2B5EF4-FFF2-40B4-BE49-F238E27FC236}">
+                <a16:creationId xmlns:a16="http://schemas.microsoft.com/office/drawing/2014/main" id="{6A3DFC95-D5B7-204F-7DE4-300EDF3BADF2}"/>
+              </a:ext>
+            </a:extLst>
+          </p:cNvPr>
+          <p:cNvSpPr/>
+          <p:nvPr/>
+        </p:nvSpPr>
+        <p:spPr>
+          <a:xfrm>
+            <a:off x="5389911" y="3303391"/>
+            <a:ext cx="68069" cy="60905"/>
+          </a:xfrm>
+          <a:prstGeom prst="flowChartConnector">
+            <a:avLst/>
+          </a:prstGeom>
+          <a:solidFill>
+            <a:srgbClr val="FFC000"/>
+          </a:solidFill>
+          <a:ln>
+            <a:solidFill>
+              <a:schemeClr val="accent5">
+                <a:lumMod val="20000"/>
+                <a:lumOff val="80000"/>
+              </a:schemeClr>
+            </a:solidFill>
+          </a:ln>
+        </p:spPr>
+        <p:style>
+          <a:lnRef idx="2">
+            <a:schemeClr val="accent1">
+              <a:shade val="15000"/>
+            </a:schemeClr>
+          </a:lnRef>
+          <a:fillRef idx="1">
+            <a:schemeClr val="accent1"/>
+          </a:fillRef>
+          <a:effectRef idx="0">
+            <a:schemeClr val="accent1"/>
+          </a:effectRef>
+          <a:fontRef idx="minor">
+            <a:schemeClr val="lt1"/>
+          </a:fontRef>
+        </p:style>
+        <p:txBody>
+          <a:bodyPr rtlCol="0" anchor="ctr"/>
+          <a:lstStyle/>
+          <a:p>
+            <a:pPr algn="ctr"/>
+            <a:endParaRPr lang="es-ES"/>
+          </a:p>
+        </p:txBody>
+      </p:sp>
+      <p:cxnSp>
+        <p:nvCxnSpPr>
+          <p:cNvPr id="104" name="Conector recto 103">
+            <a:extLst>
+              <a:ext uri="{FF2B5EF4-FFF2-40B4-BE49-F238E27FC236}">
+                <a16:creationId xmlns:a16="http://schemas.microsoft.com/office/drawing/2014/main" id="{EDC7C408-CF96-0342-46E1-D03BEACE68A5}"/>
+              </a:ext>
+            </a:extLst>
+          </p:cNvPr>
+          <p:cNvCxnSpPr/>
+          <p:nvPr/>
+        </p:nvCxnSpPr>
+        <p:spPr>
+          <a:xfrm>
+            <a:off x="1126836" y="1764145"/>
+            <a:ext cx="0" cy="295564"/>
+          </a:xfrm>
+          <a:prstGeom prst="line">
+            <a:avLst/>
+          </a:prstGeom>
+        </p:spPr>
+        <p:style>
+          <a:lnRef idx="2">
+            <a:schemeClr val="accent1"/>
+          </a:lnRef>
+          <a:fillRef idx="0">
+            <a:schemeClr val="accent1"/>
+          </a:fillRef>
+          <a:effectRef idx="1">
+            <a:schemeClr val="accent1"/>
+          </a:effectRef>
+          <a:fontRef idx="minor">
+            <a:schemeClr val="tx1"/>
+          </a:fontRef>
+        </p:style>
+      </p:cxnSp>
+      <p:cxnSp>
+        <p:nvCxnSpPr>
+          <p:cNvPr id="105" name="Conector recto 104">
+            <a:extLst>
+              <a:ext uri="{FF2B5EF4-FFF2-40B4-BE49-F238E27FC236}">
+                <a16:creationId xmlns:a16="http://schemas.microsoft.com/office/drawing/2014/main" id="{08C609EF-0AA4-63DC-200A-95044A089822}"/>
+              </a:ext>
+            </a:extLst>
+          </p:cNvPr>
+          <p:cNvCxnSpPr>
+            <a:cxnSpLocks/>
+          </p:cNvCxnSpPr>
+          <p:nvPr/>
+        </p:nvCxnSpPr>
+        <p:spPr>
+          <a:xfrm>
+            <a:off x="388149" y="447963"/>
+            <a:ext cx="0" cy="891310"/>
+          </a:xfrm>
+          <a:prstGeom prst="line">
+            <a:avLst/>
+          </a:prstGeom>
+        </p:spPr>
+        <p:style>
+          <a:lnRef idx="2">
+            <a:schemeClr val="accent1"/>
+          </a:lnRef>
+          <a:fillRef idx="0">
+            <a:schemeClr val="accent1"/>
+          </a:fillRef>
+          <a:effectRef idx="1">
+            <a:schemeClr val="accent1"/>
+          </a:effectRef>
+          <a:fontRef idx="minor">
+            <a:schemeClr val="tx1"/>
+          </a:fontRef>
+        </p:style>
+      </p:cxnSp>
+      <p:cxnSp>
+        <p:nvCxnSpPr>
+          <p:cNvPr id="107" name="Conector recto 106">
+            <a:extLst>
+              <a:ext uri="{FF2B5EF4-FFF2-40B4-BE49-F238E27FC236}">
+                <a16:creationId xmlns:a16="http://schemas.microsoft.com/office/drawing/2014/main" id="{D53CA4A7-AAD4-18D3-EB5C-4330E2C19F03}"/>
+              </a:ext>
+            </a:extLst>
+          </p:cNvPr>
+          <p:cNvCxnSpPr/>
+          <p:nvPr/>
+        </p:nvCxnSpPr>
+        <p:spPr>
+          <a:xfrm>
+            <a:off x="8049491" y="1713345"/>
+            <a:ext cx="0" cy="295564"/>
+          </a:xfrm>
+          <a:prstGeom prst="line">
+            <a:avLst/>
+          </a:prstGeom>
+        </p:spPr>
+        <p:style>
+          <a:lnRef idx="2">
+            <a:schemeClr val="accent1"/>
+          </a:lnRef>
+          <a:fillRef idx="0">
+            <a:schemeClr val="accent1"/>
+          </a:fillRef>
+          <a:effectRef idx="1">
+            <a:schemeClr val="accent1"/>
+          </a:effectRef>
+          <a:fontRef idx="minor">
+            <a:schemeClr val="tx1"/>
+          </a:fontRef>
+        </p:style>
+      </p:cxnSp>
+      <p:cxnSp>
+        <p:nvCxnSpPr>
+          <p:cNvPr id="108" name="Conector recto 107">
+            <a:extLst>
+              <a:ext uri="{FF2B5EF4-FFF2-40B4-BE49-F238E27FC236}">
+                <a16:creationId xmlns:a16="http://schemas.microsoft.com/office/drawing/2014/main" id="{54BA3791-8D19-6223-5D34-678803260116}"/>
+              </a:ext>
+            </a:extLst>
+          </p:cNvPr>
+          <p:cNvCxnSpPr/>
+          <p:nvPr/>
+        </p:nvCxnSpPr>
+        <p:spPr>
+          <a:xfrm>
+            <a:off x="1196108" y="4310332"/>
+            <a:ext cx="0" cy="295564"/>
+          </a:xfrm>
+          <a:prstGeom prst="line">
+            <a:avLst/>
+          </a:prstGeom>
+        </p:spPr>
+        <p:style>
+          <a:lnRef idx="2">
+            <a:schemeClr val="accent1"/>
+          </a:lnRef>
+          <a:fillRef idx="0">
+            <a:schemeClr val="accent1"/>
+          </a:fillRef>
+          <a:effectRef idx="1">
+            <a:schemeClr val="accent1"/>
+          </a:effectRef>
+          <a:fontRef idx="minor">
+            <a:schemeClr val="tx1"/>
+          </a:fontRef>
+        </p:style>
+      </p:cxnSp>
+      <p:cxnSp>
+        <p:nvCxnSpPr>
+          <p:cNvPr id="109" name="Conector recto 108">
+            <a:extLst>
+              <a:ext uri="{FF2B5EF4-FFF2-40B4-BE49-F238E27FC236}">
+                <a16:creationId xmlns:a16="http://schemas.microsoft.com/office/drawing/2014/main" id="{159EC4FB-EB1D-42AB-63FD-EB76426C694B}"/>
+              </a:ext>
+            </a:extLst>
+          </p:cNvPr>
+          <p:cNvCxnSpPr/>
+          <p:nvPr/>
+        </p:nvCxnSpPr>
+        <p:spPr>
+          <a:xfrm>
+            <a:off x="8243454" y="4504968"/>
+            <a:ext cx="0" cy="295564"/>
+          </a:xfrm>
+          <a:prstGeom prst="line">
+            <a:avLst/>
+          </a:prstGeom>
+        </p:spPr>
+        <p:style>
+          <a:lnRef idx="2">
+            <a:schemeClr val="accent1"/>
+          </a:lnRef>
+          <a:fillRef idx="0">
+            <a:schemeClr val="accent1"/>
+          </a:fillRef>
+          <a:effectRef idx="1">
+            <a:schemeClr val="accent1"/>
+          </a:effectRef>
+          <a:fontRef idx="minor">
+            <a:schemeClr val="tx1"/>
+          </a:fontRef>
+        </p:style>
+      </p:cxnSp>
+      <p:pic>
+        <p:nvPicPr>
+          <p:cNvPr id="3" name="Imagen 2">
+            <a:extLst>
+              <a:ext uri="{FF2B5EF4-FFF2-40B4-BE49-F238E27FC236}">
+                <a16:creationId xmlns:a16="http://schemas.microsoft.com/office/drawing/2014/main" id="{9E529441-73D4-DD29-E296-68FF3776DF09}"/>
+              </a:ext>
+            </a:extLst>
+          </p:cNvPr>
+          <p:cNvPicPr>
+            <a:picLocks noChangeAspect="1"/>
+          </p:cNvPicPr>
+          <p:nvPr/>
+        </p:nvPicPr>
+        <p:blipFill>
+          <a:blip r:embed="rId7"/>
+          <a:stretch>
+            <a:fillRect/>
+          </a:stretch>
+        </p:blipFill>
+        <p:spPr>
+          <a:xfrm>
+            <a:off x="6802014" y="5533248"/>
+            <a:ext cx="446073" cy="374126"/>
+          </a:xfrm>
+          <a:prstGeom prst="rect">
+            <a:avLst/>
+          </a:prstGeom>
+        </p:spPr>
+      </p:pic>
+    </p:spTree>
+    <p:extLst>
+      <p:ext uri="{BB962C8B-B14F-4D97-AF65-F5344CB8AC3E}">
+        <p14:creationId xmlns:p14="http://schemas.microsoft.com/office/powerpoint/2010/main" val="3829997462"/>
+      </p:ext>
+    </p:extLst>
+  </p:cSld>
+  <p:clrMapOvr>
+    <a:masterClrMapping/>
+  </p:clrMapOvr>
+</p:sld>
+</file>
+
+<file path=ppt/slides/slide6.xml><?xml version="1.0" encoding="utf-8"?>
+<p:sld xmlns:a="http://schemas.openxmlformats.org/drawingml/2006/main" xmlns:r="http://schemas.openxmlformats.org/officeDocument/2006/relationships" xmlns:p="http://schemas.openxmlformats.org/presentationml/2006/main">
+  <p:cSld>
+    <p:spTree>
+      <p:nvGrpSpPr>
+        <p:cNvPr id="1" name="">
+          <a:extLst>
+            <a:ext uri="{FF2B5EF4-FFF2-40B4-BE49-F238E27FC236}">
+              <a16:creationId xmlns:a16="http://schemas.microsoft.com/office/drawing/2014/main" id="{5CFC54FE-A281-047E-B5AA-3B6BFB225610}"/>
+            </a:ext>
+          </a:extLst>
+        </p:cNvPr>
+        <p:cNvGrpSpPr/>
+        <p:nvPr/>
+      </p:nvGrpSpPr>
+      <p:grpSpPr>
+        <a:xfrm>
+          <a:off x="0" y="0"/>
+          <a:ext cx="0" cy="0"/>
+          <a:chOff x="0" y="0"/>
+          <a:chExt cx="0" cy="0"/>
+        </a:xfrm>
+      </p:grpSpPr>
+      <p:sp>
+        <p:nvSpPr>
+          <p:cNvPr id="7" name="Título 6">
+            <a:extLst>
+              <a:ext uri="{FF2B5EF4-FFF2-40B4-BE49-F238E27FC236}">
+                <a16:creationId xmlns:a16="http://schemas.microsoft.com/office/drawing/2014/main" id="{B00A168A-532C-1451-1165-40202CC316C0}"/>
+              </a:ext>
+            </a:extLst>
+          </p:cNvPr>
+          <p:cNvSpPr>
+            <a:spLocks noGrp="1"/>
+          </p:cNvSpPr>
+          <p:nvPr>
+            <p:ph type="title"/>
+          </p:nvPr>
+        </p:nvSpPr>
+        <p:spPr>
+          <a:xfrm>
+            <a:off x="388149" y="321272"/>
+            <a:ext cx="11407302" cy="1171473"/>
+          </a:xfrm>
+        </p:spPr>
+        <p:txBody>
+          <a:bodyPr>
+            <a:normAutofit fontScale="90000"/>
+          </a:bodyPr>
+          <a:lstStyle/>
+          <a:p>
+            <a:br>
+              <a:rPr lang="es-ES" dirty="0"/>
+            </a:br>
+            <a:br>
+              <a:rPr lang="es-ES" dirty="0"/>
+            </a:br>
+            <a:endParaRPr lang="es-ES" dirty="0"/>
+          </a:p>
+        </p:txBody>
+      </p:sp>
+      <p:sp>
+        <p:nvSpPr>
+          <p:cNvPr id="63" name="CuadroTexto 62">
+            <a:extLst>
+              <a:ext uri="{FF2B5EF4-FFF2-40B4-BE49-F238E27FC236}">
+                <a16:creationId xmlns:a16="http://schemas.microsoft.com/office/drawing/2014/main" id="{D2010B8B-9D31-2CC8-7087-B825F691063E}"/>
+              </a:ext>
+            </a:extLst>
+          </p:cNvPr>
+          <p:cNvSpPr txBox="1"/>
+          <p:nvPr/>
+        </p:nvSpPr>
+        <p:spPr>
+          <a:xfrm>
+            <a:off x="9381745" y="6611779"/>
+            <a:ext cx="3054096" cy="246221"/>
+          </a:xfrm>
+          <a:prstGeom prst="rect">
+            <a:avLst/>
+          </a:prstGeom>
+          <a:noFill/>
+        </p:spPr>
+        <p:txBody>
+          <a:bodyPr wrap="square" rtlCol="0">
+            <a:spAutoFit/>
+          </a:bodyPr>
+          <a:lstStyle/>
+          <a:p>
+            <a:r>
+              <a:rPr lang="es-ES" sz="1000" dirty="0"/>
+              <a:t>Data Architect Assesment - </a:t>
+            </a:r>
+            <a:r>
+              <a:rPr lang="es-ES" sz="800" dirty="0"/>
+              <a:t>Rosa Mestres | June 2025</a:t>
+            </a:r>
+          </a:p>
+        </p:txBody>
+      </p:sp>
+      <p:sp>
+        <p:nvSpPr>
+          <p:cNvPr id="99" name="Diagrama de flujo: conector 98">
+            <a:extLst>
+              <a:ext uri="{FF2B5EF4-FFF2-40B4-BE49-F238E27FC236}">
+                <a16:creationId xmlns:a16="http://schemas.microsoft.com/office/drawing/2014/main" id="{783FCC63-5A10-C744-22B2-99C31535327F}"/>
               </a:ext>
             </a:extLst>
           </p:cNvPr>
@@ -13981,64 +14327,10 @@
       </p:sp>
       <p:sp>
         <p:nvSpPr>
-          <p:cNvPr id="100" name="Diagrama de flujo: conector 99">
-            <a:extLst>
-              <a:ext uri="{FF2B5EF4-FFF2-40B4-BE49-F238E27FC236}">
-                <a16:creationId xmlns:a16="http://schemas.microsoft.com/office/drawing/2014/main" id="{B8630B52-916E-C2A4-DF23-A643D587C18F}"/>
-              </a:ext>
-            </a:extLst>
-          </p:cNvPr>
-          <p:cNvSpPr/>
-          <p:nvPr/>
-        </p:nvSpPr>
-        <p:spPr>
-          <a:xfrm>
-            <a:off x="6090919" y="5602397"/>
-            <a:ext cx="68069" cy="60905"/>
-          </a:xfrm>
-          <a:prstGeom prst="flowChartConnector">
-            <a:avLst/>
-          </a:prstGeom>
-          <a:solidFill>
-            <a:schemeClr val="tx1"/>
-          </a:solidFill>
-          <a:ln>
-            <a:solidFill>
-              <a:schemeClr val="tx1"/>
-            </a:solidFill>
-          </a:ln>
-        </p:spPr>
-        <p:style>
-          <a:lnRef idx="2">
-            <a:schemeClr val="accent1">
-              <a:shade val="15000"/>
-            </a:schemeClr>
-          </a:lnRef>
-          <a:fillRef idx="1">
-            <a:schemeClr val="accent1"/>
-          </a:fillRef>
-          <a:effectRef idx="0">
-            <a:schemeClr val="accent1"/>
-          </a:effectRef>
-          <a:fontRef idx="minor">
-            <a:schemeClr val="lt1"/>
-          </a:fontRef>
-        </p:style>
-        <p:txBody>
-          <a:bodyPr rtlCol="0" anchor="ctr"/>
-          <a:lstStyle/>
-          <a:p>
-            <a:pPr algn="ctr"/>
-            <a:endParaRPr lang="es-ES"/>
-          </a:p>
-        </p:txBody>
-      </p:sp>
-      <p:sp>
-        <p:nvSpPr>
           <p:cNvPr id="102" name="Diagrama de flujo: conector 101">
             <a:extLst>
               <a:ext uri="{FF2B5EF4-FFF2-40B4-BE49-F238E27FC236}">
-                <a16:creationId xmlns:a16="http://schemas.microsoft.com/office/drawing/2014/main" id="{6A3DFC95-D5B7-204F-7DE4-300EDF3BADF2}"/>
+                <a16:creationId xmlns:a16="http://schemas.microsoft.com/office/drawing/2014/main" id="{B6F884C9-1107-82F0-C591-0A6E3E380F48}"/>
               </a:ext>
             </a:extLst>
           </p:cNvPr>
@@ -14092,46 +14384,10 @@
       </p:sp>
       <p:cxnSp>
         <p:nvCxnSpPr>
-          <p:cNvPr id="104" name="Conector recto 103">
-            <a:extLst>
-              <a:ext uri="{FF2B5EF4-FFF2-40B4-BE49-F238E27FC236}">
-                <a16:creationId xmlns:a16="http://schemas.microsoft.com/office/drawing/2014/main" id="{EDC7C408-CF96-0342-46E1-D03BEACE68A5}"/>
-              </a:ext>
-            </a:extLst>
-          </p:cNvPr>
-          <p:cNvCxnSpPr/>
-          <p:nvPr/>
-        </p:nvCxnSpPr>
-        <p:spPr>
-          <a:xfrm>
-            <a:off x="1126836" y="1764145"/>
-            <a:ext cx="0" cy="295564"/>
-          </a:xfrm>
-          <a:prstGeom prst="line">
-            <a:avLst/>
-          </a:prstGeom>
-        </p:spPr>
-        <p:style>
-          <a:lnRef idx="2">
-            <a:schemeClr val="accent1"/>
-          </a:lnRef>
-          <a:fillRef idx="0">
-            <a:schemeClr val="accent1"/>
-          </a:fillRef>
-          <a:effectRef idx="1">
-            <a:schemeClr val="accent1"/>
-          </a:effectRef>
-          <a:fontRef idx="minor">
-            <a:schemeClr val="tx1"/>
-          </a:fontRef>
-        </p:style>
-      </p:cxnSp>
-      <p:cxnSp>
-        <p:nvCxnSpPr>
           <p:cNvPr id="105" name="Conector recto 104">
             <a:extLst>
               <a:ext uri="{FF2B5EF4-FFF2-40B4-BE49-F238E27FC236}">
-                <a16:creationId xmlns:a16="http://schemas.microsoft.com/office/drawing/2014/main" id="{08C609EF-0AA4-63DC-200A-95044A089822}"/>
+                <a16:creationId xmlns:a16="http://schemas.microsoft.com/office/drawing/2014/main" id="{21CBDE50-97C7-212F-F899-106EB7462F15}"/>
               </a:ext>
             </a:extLst>
           </p:cNvPr>
@@ -14164,118 +14420,108 @@
           </a:fontRef>
         </p:style>
       </p:cxnSp>
-      <p:cxnSp>
-        <p:nvCxnSpPr>
-          <p:cNvPr id="107" name="Conector recto 106">
-            <a:extLst>
-              <a:ext uri="{FF2B5EF4-FFF2-40B4-BE49-F238E27FC236}">
-                <a16:creationId xmlns:a16="http://schemas.microsoft.com/office/drawing/2014/main" id="{D53CA4A7-AAD4-18D3-EB5C-4330E2C19F03}"/>
-              </a:ext>
-            </a:extLst>
-          </p:cNvPr>
-          <p:cNvCxnSpPr/>
+      <p:sp>
+        <p:nvSpPr>
+          <p:cNvPr id="4" name="Título 6">
+            <a:extLst>
+              <a:ext uri="{FF2B5EF4-FFF2-40B4-BE49-F238E27FC236}">
+                <a16:creationId xmlns:a16="http://schemas.microsoft.com/office/drawing/2014/main" id="{BCEDE26B-4A58-F81F-2ECC-04663924AD47}"/>
+              </a:ext>
+            </a:extLst>
+          </p:cNvPr>
+          <p:cNvSpPr txBox="1">
+            <a:spLocks/>
+          </p:cNvSpPr>
           <p:nvPr/>
-        </p:nvCxnSpPr>
+        </p:nvSpPr>
         <p:spPr>
           <a:xfrm>
-            <a:off x="8049491" y="1713345"/>
-            <a:ext cx="0" cy="295564"/>
+            <a:off x="455337" y="304455"/>
+            <a:ext cx="11407302" cy="1171473"/>
           </a:xfrm>
-          <a:prstGeom prst="line">
+          <a:prstGeom prst="rect">
             <a:avLst/>
           </a:prstGeom>
         </p:spPr>
-        <p:style>
-          <a:lnRef idx="2">
-            <a:schemeClr val="accent1"/>
-          </a:lnRef>
-          <a:fillRef idx="0">
-            <a:schemeClr val="accent1"/>
-          </a:fillRef>
-          <a:effectRef idx="1">
-            <a:schemeClr val="accent1"/>
-          </a:effectRef>
-          <a:fontRef idx="minor">
-            <a:schemeClr val="tx1"/>
-          </a:fontRef>
-        </p:style>
-      </p:cxnSp>
-      <p:cxnSp>
-        <p:nvCxnSpPr>
-          <p:cNvPr id="108" name="Conector recto 107">
-            <a:extLst>
-              <a:ext uri="{FF2B5EF4-FFF2-40B4-BE49-F238E27FC236}">
-                <a16:creationId xmlns:a16="http://schemas.microsoft.com/office/drawing/2014/main" id="{54BA3791-8D19-6223-5D34-678803260116}"/>
-              </a:ext>
-            </a:extLst>
-          </p:cNvPr>
-          <p:cNvCxnSpPr/>
+        <p:txBody>
+          <a:bodyPr vert="horz" lIns="91440" tIns="45720" rIns="91440" bIns="45720" rtlCol="0" anchor="ctr">
+            <a:normAutofit fontScale="60000" lnSpcReduction="20000"/>
+          </a:bodyPr>
+          <a:lstStyle>
+            <a:lvl1pPr algn="l" defTabSz="914400" rtl="0" eaLnBrk="1" latinLnBrk="0" hangingPunct="1">
+              <a:lnSpc>
+                <a:spcPct val="90000"/>
+              </a:lnSpc>
+              <a:spcBef>
+                <a:spcPct val="0"/>
+              </a:spcBef>
+              <a:buNone/>
+              <a:defRPr sz="4400" kern="1200">
+                <a:solidFill>
+                  <a:schemeClr val="tx1"/>
+                </a:solidFill>
+                <a:latin typeface="+mj-lt"/>
+                <a:ea typeface="+mj-ea"/>
+                <a:cs typeface="+mj-cs"/>
+              </a:defRPr>
+            </a:lvl1pPr>
+          </a:lstStyle>
+          <a:p>
+            <a:br>
+              <a:rPr lang="es-ES" dirty="0"/>
+            </a:br>
+            <a:r>
+              <a:rPr lang="en-US" sz="6700" dirty="0"/>
+              <a:t>Enterprise Data Warehouse Architecture</a:t>
+            </a:r>
+            <a:br>
+              <a:rPr lang="es-ES" dirty="0"/>
+            </a:br>
+            <a:r>
+              <a:rPr lang="es-ES" sz="4200" dirty="0">
+                <a:solidFill>
+                  <a:schemeClr val="tx2"/>
+                </a:solidFill>
+              </a:rPr>
+              <a:t>Logical Architecture</a:t>
+            </a:r>
+          </a:p>
+        </p:txBody>
+      </p:sp>
+      <p:pic>
+        <p:nvPicPr>
+          <p:cNvPr id="10" name="Imagen 9">
+            <a:extLst>
+              <a:ext uri="{FF2B5EF4-FFF2-40B4-BE49-F238E27FC236}">
+                <a16:creationId xmlns:a16="http://schemas.microsoft.com/office/drawing/2014/main" id="{3D1B365B-31A4-9B41-CDA1-E65E467ED362}"/>
+              </a:ext>
+            </a:extLst>
+          </p:cNvPr>
+          <p:cNvPicPr>
+            <a:picLocks noChangeAspect="1"/>
+          </p:cNvPicPr>
           <p:nvPr/>
-        </p:nvCxnSpPr>
+        </p:nvPicPr>
+        <p:blipFill>
+          <a:blip r:embed="rId3"/>
+          <a:stretch>
+            <a:fillRect/>
+          </a:stretch>
+        </p:blipFill>
         <p:spPr>
           <a:xfrm>
-            <a:off x="1196108" y="4310332"/>
-            <a:ext cx="0" cy="295564"/>
+            <a:off x="2170959" y="2322056"/>
+            <a:ext cx="7087341" cy="3798153"/>
           </a:xfrm>
-          <a:prstGeom prst="line">
+          <a:prstGeom prst="rect">
             <a:avLst/>
           </a:prstGeom>
         </p:spPr>
-        <p:style>
-          <a:lnRef idx="2">
-            <a:schemeClr val="accent1"/>
-          </a:lnRef>
-          <a:fillRef idx="0">
-            <a:schemeClr val="accent1"/>
-          </a:fillRef>
-          <a:effectRef idx="1">
-            <a:schemeClr val="accent1"/>
-          </a:effectRef>
-          <a:fontRef idx="minor">
-            <a:schemeClr val="tx1"/>
-          </a:fontRef>
-        </p:style>
-      </p:cxnSp>
-      <p:cxnSp>
-        <p:nvCxnSpPr>
-          <p:cNvPr id="109" name="Conector recto 108">
-            <a:extLst>
-              <a:ext uri="{FF2B5EF4-FFF2-40B4-BE49-F238E27FC236}">
-                <a16:creationId xmlns:a16="http://schemas.microsoft.com/office/drawing/2014/main" id="{159EC4FB-EB1D-42AB-63FD-EB76426C694B}"/>
-              </a:ext>
-            </a:extLst>
-          </p:cNvPr>
-          <p:cNvCxnSpPr/>
-          <p:nvPr/>
-        </p:nvCxnSpPr>
-        <p:spPr>
-          <a:xfrm>
-            <a:off x="8243454" y="4504968"/>
-            <a:ext cx="0" cy="295564"/>
-          </a:xfrm>
-          <a:prstGeom prst="line">
-            <a:avLst/>
-          </a:prstGeom>
-        </p:spPr>
-        <p:style>
-          <a:lnRef idx="2">
-            <a:schemeClr val="accent1"/>
-          </a:lnRef>
-          <a:fillRef idx="0">
-            <a:schemeClr val="accent1"/>
-          </a:fillRef>
-          <a:effectRef idx="1">
-            <a:schemeClr val="accent1"/>
-          </a:effectRef>
-          <a:fontRef idx="minor">
-            <a:schemeClr val="tx1"/>
-          </a:fontRef>
-        </p:style>
-      </p:cxnSp>
+      </p:pic>
     </p:spTree>
     <p:extLst>
       <p:ext uri="{BB962C8B-B14F-4D97-AF65-F5344CB8AC3E}">
-        <p14:creationId xmlns:p14="http://schemas.microsoft.com/office/powerpoint/2010/main" val="3829997462"/>
+        <p14:creationId xmlns:p14="http://schemas.microsoft.com/office/powerpoint/2010/main" val="907257753"/>
       </p:ext>
     </p:extLst>
   </p:cSld>
@@ -14285,7 +14531,7 @@
 </p:sld>
 </file>
 
-<file path=ppt/slides/slide6.xml><?xml version="1.0" encoding="utf-8"?>
+<file path=ppt/slides/slide7.xml><?xml version="1.0" encoding="utf-8"?>
 <p:sld xmlns:a="http://schemas.openxmlformats.org/drawingml/2006/main" xmlns:r="http://schemas.openxmlformats.org/officeDocument/2006/relationships" xmlns:p="http://schemas.openxmlformats.org/presentationml/2006/main">
   <p:cSld>
     <p:spTree>
@@ -14293,7 +14539,7 @@
         <p:cNvPr id="1" name="">
           <a:extLst>
             <a:ext uri="{FF2B5EF4-FFF2-40B4-BE49-F238E27FC236}">
-              <a16:creationId xmlns:a16="http://schemas.microsoft.com/office/drawing/2014/main" id="{5CFC54FE-A281-047E-B5AA-3B6BFB225610}"/>
+              <a16:creationId xmlns:a16="http://schemas.microsoft.com/office/drawing/2014/main" id="{10B27814-5DF3-9CC4-ED38-B0B87A5443AA}"/>
             </a:ext>
           </a:extLst>
         </p:cNvPr>
@@ -14313,7 +14559,7 @@
           <p:cNvPr id="7" name="Título 6">
             <a:extLst>
               <a:ext uri="{FF2B5EF4-FFF2-40B4-BE49-F238E27FC236}">
-                <a16:creationId xmlns:a16="http://schemas.microsoft.com/office/drawing/2014/main" id="{B00A168A-532C-1451-1165-40202CC316C0}"/>
+                <a16:creationId xmlns:a16="http://schemas.microsoft.com/office/drawing/2014/main" id="{6852A734-AA63-ECEE-3A08-118807CD5EBC}"/>
               </a:ext>
             </a:extLst>
           </p:cNvPr>
@@ -14351,7 +14597,7 @@
           <p:cNvPr id="63" name="CuadroTexto 62">
             <a:extLst>
               <a:ext uri="{FF2B5EF4-FFF2-40B4-BE49-F238E27FC236}">
-                <a16:creationId xmlns:a16="http://schemas.microsoft.com/office/drawing/2014/main" id="{D2010B8B-9D31-2CC8-7087-B825F691063E}"/>
+                <a16:creationId xmlns:a16="http://schemas.microsoft.com/office/drawing/2014/main" id="{4B488DB0-7744-A74C-763D-0726DB18D050}"/>
               </a:ext>
             </a:extLst>
           </p:cNvPr>
@@ -14376,23 +14622,7 @@
           <a:p>
             <a:r>
               <a:rPr lang="es-ES" sz="1000" dirty="0"/>
-              <a:t>Data </a:t>
-            </a:r>
-            <a:r>
-              <a:rPr lang="es-ES" sz="1000" dirty="0" err="1"/>
-              <a:t>Architect</a:t>
-            </a:r>
-            <a:r>
-              <a:rPr lang="es-ES" sz="1000" dirty="0"/>
-              <a:t> </a:t>
-            </a:r>
-            <a:r>
-              <a:rPr lang="es-ES" sz="1000" dirty="0" err="1"/>
-              <a:t>Assesment</a:t>
-            </a:r>
-            <a:r>
-              <a:rPr lang="es-ES" sz="1000" dirty="0"/>
-              <a:t> - </a:t>
+              <a:t>Data Architect Assesment - </a:t>
             </a:r>
             <a:r>
               <a:rPr lang="es-ES" sz="800" dirty="0"/>
@@ -14406,7 +14636,7 @@
           <p:cNvPr id="99" name="Diagrama de flujo: conector 98">
             <a:extLst>
               <a:ext uri="{FF2B5EF4-FFF2-40B4-BE49-F238E27FC236}">
-                <a16:creationId xmlns:a16="http://schemas.microsoft.com/office/drawing/2014/main" id="{783FCC63-5A10-C744-22B2-99C31535327F}"/>
+                <a16:creationId xmlns:a16="http://schemas.microsoft.com/office/drawing/2014/main" id="{97A4719C-CD78-D598-A823-28085F804614}"/>
               </a:ext>
             </a:extLst>
           </p:cNvPr>
@@ -14466,7 +14696,7 @@
           <p:cNvPr id="102" name="Diagrama de flujo: conector 101">
             <a:extLst>
               <a:ext uri="{FF2B5EF4-FFF2-40B4-BE49-F238E27FC236}">
-                <a16:creationId xmlns:a16="http://schemas.microsoft.com/office/drawing/2014/main" id="{B6F884C9-1107-82F0-C591-0A6E3E380F48}"/>
+                <a16:creationId xmlns:a16="http://schemas.microsoft.com/office/drawing/2014/main" id="{7CA63BB6-B17F-5B5C-1206-BE24256CDF3F}"/>
               </a:ext>
             </a:extLst>
           </p:cNvPr>
@@ -14523,7 +14753,7 @@
           <p:cNvPr id="105" name="Conector recto 104">
             <a:extLst>
               <a:ext uri="{FF2B5EF4-FFF2-40B4-BE49-F238E27FC236}">
-                <a16:creationId xmlns:a16="http://schemas.microsoft.com/office/drawing/2014/main" id="{21CBDE50-97C7-212F-F899-106EB7462F15}"/>
+                <a16:creationId xmlns:a16="http://schemas.microsoft.com/office/drawing/2014/main" id="{854FEFA4-E92E-2A5D-533D-A81D7BEB4A2D}"/>
               </a:ext>
             </a:extLst>
           </p:cNvPr>
@@ -14556,84 +14786,12 @@
           </a:fontRef>
         </p:style>
       </p:cxnSp>
-      <p:cxnSp>
-        <p:nvCxnSpPr>
-          <p:cNvPr id="108" name="Conector recto 107">
-            <a:extLst>
-              <a:ext uri="{FF2B5EF4-FFF2-40B4-BE49-F238E27FC236}">
-                <a16:creationId xmlns:a16="http://schemas.microsoft.com/office/drawing/2014/main" id="{BDAACDBC-CD61-6948-7787-447397B16C2D}"/>
-              </a:ext>
-            </a:extLst>
-          </p:cNvPr>
-          <p:cNvCxnSpPr/>
-          <p:nvPr/>
-        </p:nvCxnSpPr>
-        <p:spPr>
-          <a:xfrm>
-            <a:off x="1196108" y="4310332"/>
-            <a:ext cx="0" cy="295564"/>
-          </a:xfrm>
-          <a:prstGeom prst="line">
-            <a:avLst/>
-          </a:prstGeom>
-        </p:spPr>
-        <p:style>
-          <a:lnRef idx="2">
-            <a:schemeClr val="accent1"/>
-          </a:lnRef>
-          <a:fillRef idx="0">
-            <a:schemeClr val="accent1"/>
-          </a:fillRef>
-          <a:effectRef idx="1">
-            <a:schemeClr val="accent1"/>
-          </a:effectRef>
-          <a:fontRef idx="minor">
-            <a:schemeClr val="tx1"/>
-          </a:fontRef>
-        </p:style>
-      </p:cxnSp>
-      <p:cxnSp>
-        <p:nvCxnSpPr>
-          <p:cNvPr id="109" name="Conector recto 108">
-            <a:extLst>
-              <a:ext uri="{FF2B5EF4-FFF2-40B4-BE49-F238E27FC236}">
-                <a16:creationId xmlns:a16="http://schemas.microsoft.com/office/drawing/2014/main" id="{A3A4F83C-0330-F929-925D-4B90BB67B6A8}"/>
-              </a:ext>
-            </a:extLst>
-          </p:cNvPr>
-          <p:cNvCxnSpPr/>
-          <p:nvPr/>
-        </p:nvCxnSpPr>
-        <p:spPr>
-          <a:xfrm>
-            <a:off x="8243454" y="4504968"/>
-            <a:ext cx="0" cy="295564"/>
-          </a:xfrm>
-          <a:prstGeom prst="line">
-            <a:avLst/>
-          </a:prstGeom>
-        </p:spPr>
-        <p:style>
-          <a:lnRef idx="2">
-            <a:schemeClr val="accent1"/>
-          </a:lnRef>
-          <a:fillRef idx="0">
-            <a:schemeClr val="accent1"/>
-          </a:fillRef>
-          <a:effectRef idx="1">
-            <a:schemeClr val="accent1"/>
-          </a:effectRef>
-          <a:fontRef idx="minor">
-            <a:schemeClr val="tx1"/>
-          </a:fontRef>
-        </p:style>
-      </p:cxnSp>
       <p:sp>
         <p:nvSpPr>
           <p:cNvPr id="4" name="Título 6">
             <a:extLst>
               <a:ext uri="{FF2B5EF4-FFF2-40B4-BE49-F238E27FC236}">
-                <a16:creationId xmlns:a16="http://schemas.microsoft.com/office/drawing/2014/main" id="{BCEDE26B-4A58-F81F-2ECC-04663924AD47}"/>
+                <a16:creationId xmlns:a16="http://schemas.microsoft.com/office/drawing/2014/main" id="{2B167BC8-F893-C541-3DA5-69394D655279}"/>
               </a:ext>
             </a:extLst>
           </p:cNvPr>
@@ -14691,7 +14849,23 @@
                   <a:schemeClr val="tx2"/>
                 </a:solidFill>
               </a:rPr>
-              <a:t>Logical</a:t>
+              <a:t>Layers</a:t>
+            </a:r>
+            <a:r>
+              <a:rPr lang="es-ES" sz="4200" dirty="0">
+                <a:solidFill>
+                  <a:schemeClr val="tx2"/>
+                </a:solidFill>
+              </a:rPr>
+              <a:t> &amp; </a:t>
+            </a:r>
+            <a:r>
+              <a:rPr lang="es-ES" sz="4200" dirty="0" err="1">
+                <a:solidFill>
+                  <a:schemeClr val="tx2"/>
+                </a:solidFill>
+              </a:rPr>
+              <a:t>Technical</a:t>
             </a:r>
             <a:r>
               <a:rPr lang="es-ES" sz="4200" dirty="0">
@@ -14707,7 +14881,7 @@
                   <a:schemeClr val="tx2"/>
                 </a:solidFill>
               </a:rPr>
-              <a:t>Architecture</a:t>
+              <a:t>Design</a:t>
             </a:r>
             <a:endParaRPr lang="es-ES" sz="4200" dirty="0">
               <a:solidFill>
@@ -14717,10 +14891,40 @@
           </a:p>
         </p:txBody>
       </p:sp>
+      <p:pic>
+        <p:nvPicPr>
+          <p:cNvPr id="3" name="Imagen 2">
+            <a:extLst>
+              <a:ext uri="{FF2B5EF4-FFF2-40B4-BE49-F238E27FC236}">
+                <a16:creationId xmlns:a16="http://schemas.microsoft.com/office/drawing/2014/main" id="{62009F1B-78CB-6094-2AED-B3B40EAD81B4}"/>
+              </a:ext>
+            </a:extLst>
+          </p:cNvPr>
+          <p:cNvPicPr>
+            <a:picLocks noChangeAspect="1"/>
+          </p:cNvPicPr>
+          <p:nvPr/>
+        </p:nvPicPr>
+        <p:blipFill>
+          <a:blip r:embed="rId3"/>
+          <a:stretch>
+            <a:fillRect/>
+          </a:stretch>
+        </p:blipFill>
+        <p:spPr>
+          <a:xfrm>
+            <a:off x="2871369" y="1642100"/>
+            <a:ext cx="5992061" cy="4820323"/>
+          </a:xfrm>
+          <a:prstGeom prst="rect">
+            <a:avLst/>
+          </a:prstGeom>
+        </p:spPr>
+      </p:pic>
     </p:spTree>
     <p:extLst>
       <p:ext uri="{BB962C8B-B14F-4D97-AF65-F5344CB8AC3E}">
-        <p14:creationId xmlns:p14="http://schemas.microsoft.com/office/powerpoint/2010/main" val="907257753"/>
+        <p14:creationId xmlns:p14="http://schemas.microsoft.com/office/powerpoint/2010/main" val="2662684492"/>
       </p:ext>
     </p:extLst>
   </p:cSld>
@@ -14730,7 +14934,7 @@
 </p:sld>
 </file>
 
-<file path=ppt/slides/slide7.xml><?xml version="1.0" encoding="utf-8"?>
+<file path=ppt/slides/slide8.xml><?xml version="1.0" encoding="utf-8"?>
 <p:sld xmlns:a="http://schemas.openxmlformats.org/drawingml/2006/main" xmlns:r="http://schemas.openxmlformats.org/officeDocument/2006/relationships" xmlns:p="http://schemas.openxmlformats.org/presentationml/2006/main">
   <p:cSld>
     <p:spTree>
@@ -14738,7 +14942,7 @@
         <p:cNvPr id="1" name="">
           <a:extLst>
             <a:ext uri="{FF2B5EF4-FFF2-40B4-BE49-F238E27FC236}">
-              <a16:creationId xmlns:a16="http://schemas.microsoft.com/office/drawing/2014/main" id="{EBCDB905-19A3-A79A-1E02-A201F6DE9D4B}"/>
+              <a16:creationId xmlns:a16="http://schemas.microsoft.com/office/drawing/2014/main" id="{68940552-30B4-4D3D-29E2-5FB4837C5BF3}"/>
             </a:ext>
           </a:extLst>
         </p:cNvPr>
@@ -14758,7 +14962,7 @@
           <p:cNvPr id="7" name="Título 6">
             <a:extLst>
               <a:ext uri="{FF2B5EF4-FFF2-40B4-BE49-F238E27FC236}">
-                <a16:creationId xmlns:a16="http://schemas.microsoft.com/office/drawing/2014/main" id="{7CDEB140-4922-0A0C-18A6-572A9C13E4FB}"/>
+                <a16:creationId xmlns:a16="http://schemas.microsoft.com/office/drawing/2014/main" id="{5B4F6AEB-B476-AD0E-43E4-5873B6847D4F}"/>
               </a:ext>
             </a:extLst>
           </p:cNvPr>
@@ -14796,7 +15000,7 @@
           <p:cNvPr id="63" name="CuadroTexto 62">
             <a:extLst>
               <a:ext uri="{FF2B5EF4-FFF2-40B4-BE49-F238E27FC236}">
-                <a16:creationId xmlns:a16="http://schemas.microsoft.com/office/drawing/2014/main" id="{E1757300-D96B-0EE7-1D30-0C5A203D8BD2}"/>
+                <a16:creationId xmlns:a16="http://schemas.microsoft.com/office/drawing/2014/main" id="{764CA2AD-BD10-A6A1-F27F-D602447B967C}"/>
               </a:ext>
             </a:extLst>
           </p:cNvPr>
@@ -14821,23 +15025,7 @@
           <a:p>
             <a:r>
               <a:rPr lang="es-ES" sz="1000" dirty="0"/>
-              <a:t>Data </a:t>
-            </a:r>
-            <a:r>
-              <a:rPr lang="es-ES" sz="1000" dirty="0" err="1"/>
-              <a:t>Architect</a:t>
-            </a:r>
-            <a:r>
-              <a:rPr lang="es-ES" sz="1000" dirty="0"/>
-              <a:t> </a:t>
-            </a:r>
-            <a:r>
-              <a:rPr lang="es-ES" sz="1000" dirty="0" err="1"/>
-              <a:t>Assesment</a:t>
-            </a:r>
-            <a:r>
-              <a:rPr lang="es-ES" sz="1000" dirty="0"/>
-              <a:t> - </a:t>
+              <a:t>Data Architect Assesment - </a:t>
             </a:r>
             <a:r>
               <a:rPr lang="es-ES" sz="800" dirty="0"/>
@@ -14851,7 +15039,7 @@
           <p:cNvPr id="105" name="Conector recto 104">
             <a:extLst>
               <a:ext uri="{FF2B5EF4-FFF2-40B4-BE49-F238E27FC236}">
-                <a16:creationId xmlns:a16="http://schemas.microsoft.com/office/drawing/2014/main" id="{38585997-DA90-86F5-6007-7AB2923C9E9C}"/>
+                <a16:creationId xmlns:a16="http://schemas.microsoft.com/office/drawing/2014/main" id="{D3B947FA-51B9-16F9-B33C-A23FE695F27A}"/>
               </a:ext>
             </a:extLst>
           </p:cNvPr>
@@ -14889,7 +15077,7 @@
           <p:cNvPr id="4" name="Título 6">
             <a:extLst>
               <a:ext uri="{FF2B5EF4-FFF2-40B4-BE49-F238E27FC236}">
-                <a16:creationId xmlns:a16="http://schemas.microsoft.com/office/drawing/2014/main" id="{D728E9E1-EE95-140F-9E95-714ED2D2D259}"/>
+                <a16:creationId xmlns:a16="http://schemas.microsoft.com/office/drawing/2014/main" id="{F5780C19-C05A-7722-44BE-B94BFC801984}"/>
               </a:ext>
             </a:extLst>
           </p:cNvPr>
@@ -14942,44 +15130,12 @@
               <a:rPr lang="es-ES" dirty="0"/>
             </a:br>
             <a:r>
-              <a:rPr lang="es-ES" sz="4200" dirty="0" err="1">
+              <a:rPr lang="es-ES" sz="4000" dirty="0">
                 <a:solidFill>
                   <a:schemeClr val="tx2"/>
                 </a:solidFill>
               </a:rPr>
-              <a:t>Layers</a:t>
-            </a:r>
-            <a:r>
-              <a:rPr lang="es-ES" sz="4200" dirty="0">
-                <a:solidFill>
-                  <a:schemeClr val="tx2"/>
-                </a:solidFill>
-              </a:rPr>
-              <a:t> &amp; </a:t>
-            </a:r>
-            <a:r>
-              <a:rPr lang="es-ES" sz="4200" dirty="0" err="1">
-                <a:solidFill>
-                  <a:schemeClr val="tx2"/>
-                </a:solidFill>
-              </a:rPr>
-              <a:t>Technical</a:t>
-            </a:r>
-            <a:r>
-              <a:rPr lang="es-ES" sz="4200" dirty="0">
-                <a:solidFill>
-                  <a:schemeClr val="tx2"/>
-                </a:solidFill>
-              </a:rPr>
-              <a:t> </a:t>
-            </a:r>
-            <a:r>
-              <a:rPr lang="es-ES" sz="4200" dirty="0" err="1">
-                <a:solidFill>
-                  <a:schemeClr val="tx2"/>
-                </a:solidFill>
-              </a:rPr>
-              <a:t>Design</a:t>
+              <a:t>DataOps &amp; Optimization</a:t>
             </a:r>
             <a:endParaRPr lang="es-ES" sz="4200" dirty="0">
               <a:solidFill>
@@ -14989,96 +15145,22 @@
           </a:p>
         </p:txBody>
       </p:sp>
-    </p:spTree>
-    <p:extLst>
-      <p:ext uri="{BB962C8B-B14F-4D97-AF65-F5344CB8AC3E}">
-        <p14:creationId xmlns:p14="http://schemas.microsoft.com/office/powerpoint/2010/main" val="343336696"/>
-      </p:ext>
-    </p:extLst>
-  </p:cSld>
-  <p:clrMapOvr>
-    <a:masterClrMapping/>
-  </p:clrMapOvr>
-</p:sld>
-</file>
-
-<file path=ppt/slides/slide8.xml><?xml version="1.0" encoding="utf-8"?>
-<p:sld xmlns:a="http://schemas.openxmlformats.org/drawingml/2006/main" xmlns:r="http://schemas.openxmlformats.org/officeDocument/2006/relationships" xmlns:p="http://schemas.openxmlformats.org/presentationml/2006/main">
-  <p:cSld>
-    <p:spTree>
-      <p:nvGrpSpPr>
-        <p:cNvPr id="1" name="">
-          <a:extLst>
-            <a:ext uri="{FF2B5EF4-FFF2-40B4-BE49-F238E27FC236}">
-              <a16:creationId xmlns:a16="http://schemas.microsoft.com/office/drawing/2014/main" id="{68940552-30B4-4D3D-29E2-5FB4837C5BF3}"/>
-            </a:ext>
-          </a:extLst>
-        </p:cNvPr>
-        <p:cNvGrpSpPr/>
-        <p:nvPr/>
-      </p:nvGrpSpPr>
-      <p:grpSpPr>
-        <a:xfrm>
-          <a:off x="0" y="0"/>
-          <a:ext cx="0" cy="0"/>
-          <a:chOff x="0" y="0"/>
-          <a:chExt cx="0" cy="0"/>
-        </a:xfrm>
-      </p:grpSpPr>
-      <p:sp>
-        <p:nvSpPr>
-          <p:cNvPr id="7" name="Título 6">
-            <a:extLst>
-              <a:ext uri="{FF2B5EF4-FFF2-40B4-BE49-F238E27FC236}">
-                <a16:creationId xmlns:a16="http://schemas.microsoft.com/office/drawing/2014/main" id="{5B4F6AEB-B476-AD0E-43E4-5873B6847D4F}"/>
-              </a:ext>
-            </a:extLst>
-          </p:cNvPr>
-          <p:cNvSpPr>
-            <a:spLocks noGrp="1"/>
-          </p:cNvSpPr>
-          <p:nvPr>
-            <p:ph type="title"/>
-          </p:nvPr>
+      <p:sp>
+        <p:nvSpPr>
+          <p:cNvPr id="3" name="CuadroTexto 2">
+            <a:extLst>
+              <a:ext uri="{FF2B5EF4-FFF2-40B4-BE49-F238E27FC236}">
+                <a16:creationId xmlns:a16="http://schemas.microsoft.com/office/drawing/2014/main" id="{5145953C-6D31-3FDC-23D6-280F454EDFFE}"/>
+              </a:ext>
+            </a:extLst>
+          </p:cNvPr>
+          <p:cNvSpPr txBox="1"/>
+          <p:nvPr/>
         </p:nvSpPr>
         <p:spPr>
           <a:xfrm>
-            <a:off x="388149" y="321272"/>
-            <a:ext cx="11407302" cy="1171473"/>
-          </a:xfrm>
-        </p:spPr>
-        <p:txBody>
-          <a:bodyPr>
-            <a:normAutofit fontScale="90000"/>
-          </a:bodyPr>
-          <a:lstStyle/>
-          <a:p>
-            <a:br>
-              <a:rPr lang="es-ES" dirty="0"/>
-            </a:br>
-            <a:br>
-              <a:rPr lang="es-ES" dirty="0"/>
-            </a:br>
-            <a:endParaRPr lang="es-ES" dirty="0"/>
-          </a:p>
-        </p:txBody>
-      </p:sp>
-      <p:sp>
-        <p:nvSpPr>
-          <p:cNvPr id="63" name="CuadroTexto 62">
-            <a:extLst>
-              <a:ext uri="{FF2B5EF4-FFF2-40B4-BE49-F238E27FC236}">
-                <a16:creationId xmlns:a16="http://schemas.microsoft.com/office/drawing/2014/main" id="{764CA2AD-BD10-A6A1-F27F-D602447B967C}"/>
-              </a:ext>
-            </a:extLst>
-          </p:cNvPr>
-          <p:cNvSpPr txBox="1"/>
-          <p:nvPr/>
-        </p:nvSpPr>
-        <p:spPr>
-          <a:xfrm>
-            <a:off x="9381745" y="6611779"/>
-            <a:ext cx="3054096" cy="246221"/>
+            <a:off x="4395788" y="3824643"/>
+            <a:ext cx="3200401" cy="369332"/>
           </a:xfrm>
           <a:prstGeom prst="rect">
             <a:avLst/>
@@ -15092,54 +15174,315 @@
           <a:lstStyle/>
           <a:p>
             <a:r>
-              <a:rPr lang="es-ES" sz="1000" dirty="0"/>
-              <a:t>Data </a:t>
-            </a:r>
-            <a:r>
-              <a:rPr lang="es-ES" sz="1000" dirty="0" err="1"/>
-              <a:t>Architect</a:t>
-            </a:r>
-            <a:r>
-              <a:rPr lang="es-ES" sz="1000" dirty="0"/>
-              <a:t> </a:t>
-            </a:r>
-            <a:r>
-              <a:rPr lang="es-ES" sz="1000" dirty="0" err="1"/>
-              <a:t>Assesment</a:t>
-            </a:r>
-            <a:r>
-              <a:rPr lang="es-ES" sz="1000" dirty="0"/>
-              <a:t> - </a:t>
-            </a:r>
-            <a:r>
-              <a:rPr lang="es-ES" sz="800" dirty="0"/>
-              <a:t>Rosa Mestres | June 2025</a:t>
-            </a:r>
+              <a:rPr lang="es-ES" dirty="0"/>
+              <a:t>DataOps Efficiency &amp; Control</a:t>
+            </a:r>
+          </a:p>
+        </p:txBody>
+      </p:sp>
+      <p:sp>
+        <p:nvSpPr>
+          <p:cNvPr id="11" name="TextBox 38">
+            <a:extLst>
+              <a:ext uri="{FF2B5EF4-FFF2-40B4-BE49-F238E27FC236}">
+                <a16:creationId xmlns:a16="http://schemas.microsoft.com/office/drawing/2014/main" id="{D22269D1-591F-F31E-8E2C-3ADDEB2A1BA4}"/>
+              </a:ext>
+            </a:extLst>
+          </p:cNvPr>
+          <p:cNvSpPr txBox="1"/>
+          <p:nvPr/>
+        </p:nvSpPr>
+        <p:spPr>
+          <a:xfrm>
+            <a:off x="8259750" y="4564274"/>
+            <a:ext cx="3680328" cy="461665"/>
+          </a:xfrm>
+          <a:prstGeom prst="rect">
+            <a:avLst/>
+          </a:prstGeom>
+          <a:noFill/>
+        </p:spPr>
+        <p:txBody>
+          <a:bodyPr wrap="square" rtlCol="0">
+            <a:spAutoFit/>
+          </a:bodyPr>
+          <a:lstStyle/>
+          <a:p>
+            <a:r>
+              <a:rPr lang="en-US" sz="2400" b="1" dirty="0">
+                <a:solidFill>
+                  <a:srgbClr val="FFC000"/>
+                </a:solidFill>
+                <a:latin typeface="Proxima Nova Semibold" charset="0"/>
+                <a:ea typeface="Proxima Nova Semibold" charset="0"/>
+                <a:cs typeface="Proxima Nova Semibold" charset="0"/>
+              </a:rPr>
+              <a:t>Cost Optimization</a:t>
+            </a:r>
+          </a:p>
+        </p:txBody>
+      </p:sp>
+      <p:sp>
+        <p:nvSpPr>
+          <p:cNvPr id="13" name="TextBox 38">
+            <a:extLst>
+              <a:ext uri="{FF2B5EF4-FFF2-40B4-BE49-F238E27FC236}">
+                <a16:creationId xmlns:a16="http://schemas.microsoft.com/office/drawing/2014/main" id="{F55D5B5C-77B0-C65B-3B61-AABFC616F965}"/>
+              </a:ext>
+            </a:extLst>
+          </p:cNvPr>
+          <p:cNvSpPr txBox="1"/>
+          <p:nvPr/>
+        </p:nvSpPr>
+        <p:spPr>
+          <a:xfrm>
+            <a:off x="448758" y="4564274"/>
+            <a:ext cx="3680328" cy="461665"/>
+          </a:xfrm>
+          <a:prstGeom prst="rect">
+            <a:avLst/>
+          </a:prstGeom>
+          <a:noFill/>
+        </p:spPr>
+        <p:txBody>
+          <a:bodyPr wrap="square" rtlCol="0">
+            <a:spAutoFit/>
+          </a:bodyPr>
+          <a:lstStyle/>
+          <a:p>
+            <a:r>
+              <a:rPr lang="en-US" sz="2400" b="1" dirty="0">
+                <a:solidFill>
+                  <a:schemeClr val="accent5">
+                    <a:lumMod val="40000"/>
+                    <a:lumOff val="60000"/>
+                  </a:schemeClr>
+                </a:solidFill>
+                <a:latin typeface="Proxima Nova Semibold" charset="0"/>
+                <a:ea typeface="Proxima Nova Semibold" charset="0"/>
+                <a:cs typeface="Proxima Nova Semibold" charset="0"/>
+              </a:rPr>
+              <a:t>Governance &amp; Security</a:t>
+            </a:r>
+          </a:p>
+        </p:txBody>
+      </p:sp>
+      <p:sp>
+        <p:nvSpPr>
+          <p:cNvPr id="14" name="TextBox 38">
+            <a:extLst>
+              <a:ext uri="{FF2B5EF4-FFF2-40B4-BE49-F238E27FC236}">
+                <a16:creationId xmlns:a16="http://schemas.microsoft.com/office/drawing/2014/main" id="{245FAF55-A5D0-CD17-CFB5-BE8D82E3AA8D}"/>
+              </a:ext>
+            </a:extLst>
+          </p:cNvPr>
+          <p:cNvSpPr txBox="1"/>
+          <p:nvPr/>
+        </p:nvSpPr>
+        <p:spPr>
+          <a:xfrm>
+            <a:off x="8221030" y="1501227"/>
+            <a:ext cx="3680328" cy="461665"/>
+          </a:xfrm>
+          <a:prstGeom prst="rect">
+            <a:avLst/>
+          </a:prstGeom>
+          <a:noFill/>
+        </p:spPr>
+        <p:txBody>
+          <a:bodyPr wrap="square" rtlCol="0">
+            <a:spAutoFit/>
+          </a:bodyPr>
+          <a:lstStyle/>
+          <a:p>
+            <a:r>
+              <a:rPr lang="en-US" sz="2400" b="1" dirty="0">
+                <a:solidFill>
+                  <a:schemeClr val="accent6">
+                    <a:lumMod val="60000"/>
+                    <a:lumOff val="40000"/>
+                  </a:schemeClr>
+                </a:solidFill>
+                <a:latin typeface="Proxima Nova Semibold" charset="0"/>
+                <a:ea typeface="Proxima Nova Semibold" charset="0"/>
+                <a:cs typeface="Proxima Nova Semibold" charset="0"/>
+              </a:rPr>
+              <a:t>Observability</a:t>
+            </a:r>
+          </a:p>
+        </p:txBody>
+      </p:sp>
+      <p:sp>
+        <p:nvSpPr>
+          <p:cNvPr id="15" name="TextBox 38">
+            <a:extLst>
+              <a:ext uri="{FF2B5EF4-FFF2-40B4-BE49-F238E27FC236}">
+                <a16:creationId xmlns:a16="http://schemas.microsoft.com/office/drawing/2014/main" id="{2B7C71AB-B87A-3584-544B-B1893C8F6887}"/>
+              </a:ext>
+            </a:extLst>
+          </p:cNvPr>
+          <p:cNvSpPr txBox="1"/>
+          <p:nvPr/>
+        </p:nvSpPr>
+        <p:spPr>
+          <a:xfrm>
+            <a:off x="510671" y="1576349"/>
+            <a:ext cx="3680328" cy="461665"/>
+          </a:xfrm>
+          <a:prstGeom prst="rect">
+            <a:avLst/>
+          </a:prstGeom>
+          <a:noFill/>
+        </p:spPr>
+        <p:txBody>
+          <a:bodyPr wrap="square" rtlCol="0">
+            <a:spAutoFit/>
+          </a:bodyPr>
+          <a:lstStyle/>
+          <a:p>
+            <a:r>
+              <a:rPr lang="en-US" sz="2400" b="1" dirty="0">
+                <a:solidFill>
+                  <a:schemeClr val="accent1">
+                    <a:lumMod val="40000"/>
+                    <a:lumOff val="60000"/>
+                  </a:schemeClr>
+                </a:solidFill>
+                <a:latin typeface="Proxima Nova Semibold" charset="0"/>
+                <a:ea typeface="Proxima Nova Semibold" charset="0"/>
+                <a:cs typeface="Proxima Nova Semibold" charset="0"/>
+              </a:rPr>
+              <a:t>CI/CD</a:t>
+            </a:r>
+          </a:p>
+        </p:txBody>
+      </p:sp>
+      <p:sp>
+        <p:nvSpPr>
+          <p:cNvPr id="17" name="TextBox 38">
+            <a:extLst>
+              <a:ext uri="{FF2B5EF4-FFF2-40B4-BE49-F238E27FC236}">
+                <a16:creationId xmlns:a16="http://schemas.microsoft.com/office/drawing/2014/main" id="{2C1B695A-71D0-1672-92A7-2593ECAA3B22}"/>
+              </a:ext>
+            </a:extLst>
+          </p:cNvPr>
+          <p:cNvSpPr txBox="1"/>
+          <p:nvPr/>
+        </p:nvSpPr>
+        <p:spPr>
+          <a:xfrm>
+            <a:off x="8259750" y="1962892"/>
+            <a:ext cx="3602889" cy="1384995"/>
+          </a:xfrm>
+          <a:prstGeom prst="rect">
+            <a:avLst/>
+          </a:prstGeom>
+          <a:solidFill>
+            <a:schemeClr val="bg1"/>
+          </a:solidFill>
+        </p:spPr>
+        <p:txBody>
+          <a:bodyPr wrap="square" rtlCol="0">
+            <a:spAutoFit/>
+          </a:bodyPr>
+          <a:lstStyle>
+            <a:defPPr>
+              <a:defRPr lang="en-US"/>
+            </a:defPPr>
+            <a:lvl1pPr marL="75544" defTabSz="976313" eaLnBrk="0" hangingPunct="0">
+              <a:defRPr sz="2400" i="1">
+                <a:solidFill>
+                  <a:prstClr val="black"/>
+                </a:solidFill>
+                <a:latin typeface="Proxima Nova Light" charset="0"/>
+                <a:ea typeface="Proxima Nova Light" charset="0"/>
+                <a:cs typeface="Proxima Nova Light" charset="0"/>
+              </a:defRPr>
+            </a:lvl1pPr>
+          </a:lstStyle>
+          <a:p>
+            <a:pPr marL="285750" indent="-285750">
+              <a:buFont typeface="Wingdings" panose="05000000000000000000" pitchFamily="2" charset="2"/>
+              <a:buChar char="§"/>
+            </a:pPr>
+            <a:r>
+              <a:rPr lang="es-ES" sz="1200" dirty="0"/>
+              <a:t>Azure Monitor</a:t>
+            </a:r>
+          </a:p>
+          <a:p>
+            <a:pPr marL="285750" indent="-285750">
+              <a:buFont typeface="Wingdings" panose="05000000000000000000" pitchFamily="2" charset="2"/>
+              <a:buChar char="§"/>
+            </a:pPr>
+            <a:r>
+              <a:rPr lang="es-ES" sz="1200" dirty="0"/>
+              <a:t>Dynatrace</a:t>
+            </a:r>
+          </a:p>
+          <a:p>
+            <a:pPr marL="285750" indent="-285750">
+              <a:buFont typeface="Wingdings" panose="05000000000000000000" pitchFamily="2" charset="2"/>
+              <a:buChar char="§"/>
+            </a:pPr>
+            <a:r>
+              <a:rPr lang="es-ES" sz="1200" dirty="0"/>
+              <a:t>Log Analytics</a:t>
+            </a:r>
+          </a:p>
+          <a:p>
+            <a:pPr marL="285750" indent="-285750">
+              <a:buFont typeface="Wingdings" panose="05000000000000000000" pitchFamily="2" charset="2"/>
+              <a:buChar char="§"/>
+            </a:pPr>
+            <a:endParaRPr lang="es-ES" sz="1200" dirty="0"/>
+          </a:p>
+          <a:p>
+            <a:pPr marL="285750" indent="-285750">
+              <a:buFont typeface="Wingdings" panose="05000000000000000000" pitchFamily="2" charset="2"/>
+              <a:buChar char="§"/>
+            </a:pPr>
+            <a:r>
+              <a:rPr lang="es-ES" sz="1200" dirty="0"/>
+              <a:t>Unified logs, metrics and health across all data services</a:t>
+            </a:r>
+          </a:p>
+          <a:p>
+            <a:endParaRPr lang="en-US" sz="1200" dirty="0"/>
           </a:p>
         </p:txBody>
       </p:sp>
       <p:cxnSp>
         <p:nvCxnSpPr>
-          <p:cNvPr id="105" name="Conector recto 104">
-            <a:extLst>
-              <a:ext uri="{FF2B5EF4-FFF2-40B4-BE49-F238E27FC236}">
-                <a16:creationId xmlns:a16="http://schemas.microsoft.com/office/drawing/2014/main" id="{D3B947FA-51B9-16F9-B33C-A23FE695F27A}"/>
+          <p:cNvPr id="19" name="Conector recto 18">
+            <a:extLst>
+              <a:ext uri="{FF2B5EF4-FFF2-40B4-BE49-F238E27FC236}">
+                <a16:creationId xmlns:a16="http://schemas.microsoft.com/office/drawing/2014/main" id="{B5B35BB2-3FE2-A40E-3703-C38D6D3BF4E2}"/>
               </a:ext>
             </a:extLst>
           </p:cNvPr>
           <p:cNvCxnSpPr>
-            <a:cxnSpLocks/>
+            <a:stCxn id="17" idx="1"/>
+            <a:endCxn id="17" idx="3"/>
           </p:cNvCxnSpPr>
           <p:nvPr/>
         </p:nvCxnSpPr>
         <p:spPr>
           <a:xfrm>
-            <a:off x="388149" y="447963"/>
-            <a:ext cx="0" cy="891310"/>
+            <a:off x="8259750" y="2655390"/>
+            <a:ext cx="3602889" cy="0"/>
           </a:xfrm>
           <a:prstGeom prst="line">
             <a:avLst/>
           </a:prstGeom>
+          <a:ln>
+            <a:solidFill>
+              <a:schemeClr val="accent6">
+                <a:lumMod val="60000"/>
+                <a:lumOff val="40000"/>
+              </a:schemeClr>
+            </a:solidFill>
+          </a:ln>
         </p:spPr>
         <p:style>
           <a:lnRef idx="2">
@@ -15158,93 +15501,413 @@
       </p:cxnSp>
       <p:sp>
         <p:nvSpPr>
-          <p:cNvPr id="4" name="Título 6">
-            <a:extLst>
-              <a:ext uri="{FF2B5EF4-FFF2-40B4-BE49-F238E27FC236}">
-                <a16:creationId xmlns:a16="http://schemas.microsoft.com/office/drawing/2014/main" id="{F5780C19-C05A-7722-44BE-B94BFC801984}"/>
-              </a:ext>
-            </a:extLst>
-          </p:cNvPr>
-          <p:cNvSpPr txBox="1">
-            <a:spLocks/>
-          </p:cNvSpPr>
+          <p:cNvPr id="20" name="TextBox 38">
+            <a:extLst>
+              <a:ext uri="{FF2B5EF4-FFF2-40B4-BE49-F238E27FC236}">
+                <a16:creationId xmlns:a16="http://schemas.microsoft.com/office/drawing/2014/main" id="{AFDD4276-AAD8-C218-F210-049261965B55}"/>
+              </a:ext>
+            </a:extLst>
+          </p:cNvPr>
+          <p:cNvSpPr txBox="1"/>
           <p:nvPr/>
         </p:nvSpPr>
         <p:spPr>
           <a:xfrm>
-            <a:off x="455337" y="304455"/>
-            <a:ext cx="11407302" cy="1171473"/>
+            <a:off x="8221030" y="5025939"/>
+            <a:ext cx="3602889" cy="1200329"/>
           </a:xfrm>
           <a:prstGeom prst="rect">
             <a:avLst/>
           </a:prstGeom>
+          <a:solidFill>
+            <a:schemeClr val="bg1"/>
+          </a:solidFill>
         </p:spPr>
         <p:txBody>
-          <a:bodyPr vert="horz" lIns="91440" tIns="45720" rIns="91440" bIns="45720" rtlCol="0" anchor="ctr">
-            <a:normAutofit fontScale="60000" lnSpcReduction="20000"/>
+          <a:bodyPr wrap="square" rtlCol="0">
+            <a:spAutoFit/>
           </a:bodyPr>
           <a:lstStyle>
-            <a:lvl1pPr algn="l" defTabSz="914400" rtl="0" eaLnBrk="1" latinLnBrk="0" hangingPunct="1">
-              <a:lnSpc>
-                <a:spcPct val="90000"/>
-              </a:lnSpc>
-              <a:spcBef>
-                <a:spcPct val="0"/>
-              </a:spcBef>
-              <a:buNone/>
-              <a:defRPr sz="4400" kern="1200">
+            <a:defPPr>
+              <a:defRPr lang="en-US"/>
+            </a:defPPr>
+            <a:lvl1pPr marL="75544" defTabSz="976313" eaLnBrk="0" hangingPunct="0">
+              <a:defRPr sz="2400" i="1">
                 <a:solidFill>
-                  <a:schemeClr val="tx1"/>
+                  <a:prstClr val="black"/>
                 </a:solidFill>
-                <a:latin typeface="+mj-lt"/>
-                <a:ea typeface="+mj-ea"/>
-                <a:cs typeface="+mj-cs"/>
+                <a:latin typeface="Proxima Nova Light" charset="0"/>
+                <a:ea typeface="Proxima Nova Light" charset="0"/>
+                <a:cs typeface="Proxima Nova Light" charset="0"/>
               </a:defRPr>
             </a:lvl1pPr>
           </a:lstStyle>
           <a:p>
-            <a:br>
-              <a:rPr lang="es-ES" dirty="0"/>
-            </a:br>
-            <a:r>
-              <a:rPr lang="en-US" sz="6700" dirty="0"/>
-              <a:t>Enterprise Data Warehouse Architecture</a:t>
-            </a:r>
-            <a:br>
-              <a:rPr lang="es-ES" dirty="0"/>
-            </a:br>
-            <a:r>
-              <a:rPr lang="es-ES" sz="4000" dirty="0" err="1">
+            <a:pPr marL="285750" indent="-285750">
+              <a:buFont typeface="Wingdings" panose="05000000000000000000" pitchFamily="2" charset="2"/>
+              <a:buChar char="§"/>
+            </a:pPr>
+            <a:r>
+              <a:rPr lang="es-ES" sz="1200" dirty="0"/>
+              <a:t>Auto-pause SQL Pools</a:t>
+            </a:r>
+          </a:p>
+          <a:p>
+            <a:pPr marL="285750" indent="-285750">
+              <a:buFont typeface="Wingdings" panose="05000000000000000000" pitchFamily="2" charset="2"/>
+              <a:buChar char="§"/>
+            </a:pPr>
+            <a:r>
+              <a:rPr lang="es-ES" sz="1200" dirty="0"/>
+              <a:t>Tiering policies in ADLS</a:t>
+            </a:r>
+          </a:p>
+          <a:p>
+            <a:pPr marL="285750" indent="-285750">
+              <a:buFont typeface="Wingdings" panose="05000000000000000000" pitchFamily="2" charset="2"/>
+              <a:buChar char="§"/>
+            </a:pPr>
+            <a:r>
+              <a:rPr lang="es-ES" sz="1200" dirty="0"/>
+              <a:t>Light Power BI versiones for self-sevice</a:t>
+            </a:r>
+          </a:p>
+          <a:p>
+            <a:pPr marL="285750" indent="-285750">
+              <a:buFont typeface="Wingdings" panose="05000000000000000000" pitchFamily="2" charset="2"/>
+              <a:buChar char="§"/>
+            </a:pPr>
+            <a:endParaRPr lang="es-ES" sz="1200" dirty="0"/>
+          </a:p>
+          <a:p>
+            <a:pPr marL="285750" indent="-285750">
+              <a:buFont typeface="Wingdings" panose="05000000000000000000" pitchFamily="2" charset="2"/>
+              <a:buChar char="§"/>
+            </a:pPr>
+            <a:r>
+              <a:rPr lang="es-ES" sz="1200" dirty="0"/>
+              <a:t>Smart resource use, cost control and elasticity</a:t>
+            </a:r>
+          </a:p>
+          <a:p>
+            <a:endParaRPr lang="en-US" sz="1200" dirty="0"/>
+          </a:p>
+        </p:txBody>
+      </p:sp>
+      <p:cxnSp>
+        <p:nvCxnSpPr>
+          <p:cNvPr id="21" name="Conector recto 20">
+            <a:extLst>
+              <a:ext uri="{FF2B5EF4-FFF2-40B4-BE49-F238E27FC236}">
+                <a16:creationId xmlns:a16="http://schemas.microsoft.com/office/drawing/2014/main" id="{5A75EB83-2DC8-4D34-0BB5-A2FA514EA2BD}"/>
+              </a:ext>
+            </a:extLst>
+          </p:cNvPr>
+          <p:cNvCxnSpPr/>
+          <p:nvPr/>
+        </p:nvCxnSpPr>
+        <p:spPr>
+          <a:xfrm>
+            <a:off x="8221030" y="5706826"/>
+            <a:ext cx="3602889" cy="0"/>
+          </a:xfrm>
+          <a:prstGeom prst="line">
+            <a:avLst/>
+          </a:prstGeom>
+          <a:ln>
+            <a:solidFill>
+              <a:srgbClr val="FFC000"/>
+            </a:solidFill>
+          </a:ln>
+        </p:spPr>
+        <p:style>
+          <a:lnRef idx="2">
+            <a:schemeClr val="accent1"/>
+          </a:lnRef>
+          <a:fillRef idx="0">
+            <a:schemeClr val="accent1"/>
+          </a:fillRef>
+          <a:effectRef idx="1">
+            <a:schemeClr val="accent1"/>
+          </a:effectRef>
+          <a:fontRef idx="minor">
+            <a:schemeClr val="tx1"/>
+          </a:fontRef>
+        </p:style>
+      </p:cxnSp>
+      <p:sp>
+        <p:nvSpPr>
+          <p:cNvPr id="22" name="TextBox 38">
+            <a:extLst>
+              <a:ext uri="{FF2B5EF4-FFF2-40B4-BE49-F238E27FC236}">
+                <a16:creationId xmlns:a16="http://schemas.microsoft.com/office/drawing/2014/main" id="{F2404CC7-9EBE-DAD5-52E9-43B1D5821A87}"/>
+              </a:ext>
+            </a:extLst>
+          </p:cNvPr>
+          <p:cNvSpPr txBox="1"/>
+          <p:nvPr/>
+        </p:nvSpPr>
+        <p:spPr>
+          <a:xfrm>
+            <a:off x="568750" y="2055224"/>
+            <a:ext cx="3602889" cy="1200329"/>
+          </a:xfrm>
+          <a:prstGeom prst="rect">
+            <a:avLst/>
+          </a:prstGeom>
+          <a:solidFill>
+            <a:schemeClr val="bg1"/>
+          </a:solidFill>
+        </p:spPr>
+        <p:txBody>
+          <a:bodyPr wrap="square" rtlCol="0">
+            <a:spAutoFit/>
+          </a:bodyPr>
+          <a:lstStyle>
+            <a:defPPr>
+              <a:defRPr lang="en-US"/>
+            </a:defPPr>
+            <a:lvl1pPr marL="75544" defTabSz="976313" eaLnBrk="0" hangingPunct="0">
+              <a:defRPr sz="2400" i="1">
                 <a:solidFill>
-                  <a:schemeClr val="tx2"/>
+                  <a:prstClr val="black"/>
                 </a:solidFill>
-              </a:rPr>
-              <a:t>DataOps</a:t>
-            </a:r>
-            <a:r>
-              <a:rPr lang="es-ES" sz="4000" dirty="0">
+                <a:latin typeface="Proxima Nova Light" charset="0"/>
+                <a:ea typeface="Proxima Nova Light" charset="0"/>
+                <a:cs typeface="Proxima Nova Light" charset="0"/>
+              </a:defRPr>
+            </a:lvl1pPr>
+          </a:lstStyle>
+          <a:p>
+            <a:pPr marL="285750" indent="-285750">
+              <a:buFont typeface="Wingdings" panose="05000000000000000000" pitchFamily="2" charset="2"/>
+              <a:buChar char="§"/>
+            </a:pPr>
+            <a:r>
+              <a:rPr lang="es-ES" sz="1200" dirty="0"/>
+              <a:t>GitHub Actions</a:t>
+            </a:r>
+          </a:p>
+          <a:p>
+            <a:pPr marL="285750" indent="-285750">
+              <a:buFont typeface="Wingdings" panose="05000000000000000000" pitchFamily="2" charset="2"/>
+              <a:buChar char="§"/>
+            </a:pPr>
+            <a:r>
+              <a:rPr lang="es-ES" sz="1200" dirty="0"/>
+              <a:t>GitHub Runners</a:t>
+            </a:r>
+          </a:p>
+          <a:p>
+            <a:pPr marL="285750" indent="-285750">
+              <a:buFont typeface="Wingdings" panose="05000000000000000000" pitchFamily="2" charset="2"/>
+              <a:buChar char="§"/>
+            </a:pPr>
+            <a:endParaRPr lang="es-ES" sz="1200" dirty="0"/>
+          </a:p>
+          <a:p>
+            <a:pPr marL="285750" indent="-285750">
+              <a:buFont typeface="Wingdings" panose="05000000000000000000" pitchFamily="2" charset="2"/>
+              <a:buChar char="§"/>
+            </a:pPr>
+            <a:r>
+              <a:rPr lang="es-ES" sz="1200" dirty="0"/>
+              <a:t>Automated deployement of: Data pipelines, Ml models, Power BI content</a:t>
+            </a:r>
+          </a:p>
+          <a:p>
+            <a:endParaRPr lang="en-US" sz="1200" dirty="0"/>
+          </a:p>
+        </p:txBody>
+      </p:sp>
+      <p:cxnSp>
+        <p:nvCxnSpPr>
+          <p:cNvPr id="23" name="Conector recto 22">
+            <a:extLst>
+              <a:ext uri="{FF2B5EF4-FFF2-40B4-BE49-F238E27FC236}">
+                <a16:creationId xmlns:a16="http://schemas.microsoft.com/office/drawing/2014/main" id="{91D74FEF-074B-B90A-F97C-BAE4812627CF}"/>
+              </a:ext>
+            </a:extLst>
+          </p:cNvPr>
+          <p:cNvCxnSpPr>
+            <a:cxnSpLocks/>
+          </p:cNvCxnSpPr>
+          <p:nvPr/>
+        </p:nvCxnSpPr>
+        <p:spPr>
+          <a:xfrm>
+            <a:off x="568750" y="2572751"/>
+            <a:ext cx="3602889" cy="0"/>
+          </a:xfrm>
+          <a:prstGeom prst="line">
+            <a:avLst/>
+          </a:prstGeom>
+          <a:ln>
+            <a:solidFill>
+              <a:schemeClr val="accent1">
+                <a:lumMod val="40000"/>
+                <a:lumOff val="60000"/>
+              </a:schemeClr>
+            </a:solidFill>
+          </a:ln>
+        </p:spPr>
+        <p:style>
+          <a:lnRef idx="2">
+            <a:schemeClr val="accent1"/>
+          </a:lnRef>
+          <a:fillRef idx="0">
+            <a:schemeClr val="accent1"/>
+          </a:fillRef>
+          <a:effectRef idx="1">
+            <a:schemeClr val="accent1"/>
+          </a:effectRef>
+          <a:fontRef idx="minor">
+            <a:schemeClr val="tx1"/>
+          </a:fontRef>
+        </p:style>
+      </p:cxnSp>
+      <p:sp>
+        <p:nvSpPr>
+          <p:cNvPr id="24" name="TextBox 38">
+            <a:extLst>
+              <a:ext uri="{FF2B5EF4-FFF2-40B4-BE49-F238E27FC236}">
+                <a16:creationId xmlns:a16="http://schemas.microsoft.com/office/drawing/2014/main" id="{9857736E-DC71-EE4B-C2F1-4B092D0240AD}"/>
+              </a:ext>
+            </a:extLst>
+          </p:cNvPr>
+          <p:cNvSpPr txBox="1"/>
+          <p:nvPr/>
+        </p:nvSpPr>
+        <p:spPr>
+          <a:xfrm>
+            <a:off x="526197" y="5003450"/>
+            <a:ext cx="3602889" cy="1384995"/>
+          </a:xfrm>
+          <a:prstGeom prst="rect">
+            <a:avLst/>
+          </a:prstGeom>
+          <a:solidFill>
+            <a:schemeClr val="bg1"/>
+          </a:solidFill>
+        </p:spPr>
+        <p:txBody>
+          <a:bodyPr wrap="square" rtlCol="0">
+            <a:spAutoFit/>
+          </a:bodyPr>
+          <a:lstStyle>
+            <a:defPPr>
+              <a:defRPr lang="en-US"/>
+            </a:defPPr>
+            <a:lvl1pPr marL="75544" defTabSz="976313" eaLnBrk="0" hangingPunct="0">
+              <a:defRPr sz="2400" i="1">
                 <a:solidFill>
-                  <a:schemeClr val="tx2"/>
+                  <a:prstClr val="black"/>
                 </a:solidFill>
-              </a:rPr>
-              <a:t> &amp; </a:t>
-            </a:r>
-            <a:r>
-              <a:rPr lang="es-ES" sz="4000" dirty="0" err="1">
-                <a:solidFill>
-                  <a:schemeClr val="tx2"/>
-                </a:solidFill>
-              </a:rPr>
-              <a:t>Optimization</a:t>
-            </a:r>
-            <a:endParaRPr lang="es-ES" sz="4200" dirty="0">
-              <a:solidFill>
-                <a:schemeClr val="tx2"/>
-              </a:solidFill>
-            </a:endParaRPr>
+                <a:latin typeface="Proxima Nova Light" charset="0"/>
+                <a:ea typeface="Proxima Nova Light" charset="0"/>
+                <a:cs typeface="Proxima Nova Light" charset="0"/>
+              </a:defRPr>
+            </a:lvl1pPr>
+          </a:lstStyle>
+          <a:p>
+            <a:pPr marL="285750" indent="-285750">
+              <a:buFont typeface="Wingdings" panose="05000000000000000000" pitchFamily="2" charset="2"/>
+              <a:buChar char="§"/>
+            </a:pPr>
+            <a:r>
+              <a:rPr lang="es-ES" sz="1200" dirty="0"/>
+              <a:t>IDMC (Informatica)</a:t>
+            </a:r>
+          </a:p>
+          <a:p>
+            <a:pPr marL="285750" indent="-285750">
+              <a:buFont typeface="Wingdings" panose="05000000000000000000" pitchFamily="2" charset="2"/>
+              <a:buChar char="§"/>
+            </a:pPr>
+            <a:r>
+              <a:rPr lang="es-ES" sz="1200" dirty="0"/>
+              <a:t>Azure Purview</a:t>
+            </a:r>
+          </a:p>
+          <a:p>
+            <a:pPr marL="285750" indent="-285750">
+              <a:buFont typeface="Wingdings" panose="05000000000000000000" pitchFamily="2" charset="2"/>
+              <a:buChar char="§"/>
+            </a:pPr>
+            <a:r>
+              <a:rPr lang="es-ES" sz="1200" dirty="0"/>
+              <a:t>Azure Key Vault</a:t>
+            </a:r>
+          </a:p>
+          <a:p>
+            <a:pPr marL="285750" indent="-285750">
+              <a:buFont typeface="Wingdings" panose="05000000000000000000" pitchFamily="2" charset="2"/>
+              <a:buChar char="§"/>
+            </a:pPr>
+            <a:endParaRPr lang="es-ES" sz="1200" dirty="0"/>
+          </a:p>
+          <a:p>
+            <a:pPr marL="285750" indent="-285750">
+              <a:buFont typeface="Wingdings" panose="05000000000000000000" pitchFamily="2" charset="2"/>
+              <a:buChar char="§"/>
+            </a:pPr>
+            <a:r>
+              <a:rPr lang="es-ES" sz="1200" dirty="0"/>
+              <a:t>Data Lineage, Access control, and credential management</a:t>
+            </a:r>
+          </a:p>
+          <a:p>
+            <a:endParaRPr lang="en-US" sz="1200" dirty="0"/>
           </a:p>
         </p:txBody>
       </p:sp>
+      <p:cxnSp>
+        <p:nvCxnSpPr>
+          <p:cNvPr id="25" name="Conector recto 24">
+            <a:extLst>
+              <a:ext uri="{FF2B5EF4-FFF2-40B4-BE49-F238E27FC236}">
+                <a16:creationId xmlns:a16="http://schemas.microsoft.com/office/drawing/2014/main" id="{4BAE1C10-4A95-A74F-E765-7BA4429FB444}"/>
+              </a:ext>
+            </a:extLst>
+          </p:cNvPr>
+          <p:cNvCxnSpPr>
+            <a:stCxn id="24" idx="1"/>
+            <a:endCxn id="24" idx="3"/>
+          </p:cNvCxnSpPr>
+          <p:nvPr/>
+        </p:nvCxnSpPr>
+        <p:spPr>
+          <a:xfrm>
+            <a:off x="526197" y="5695948"/>
+            <a:ext cx="3602889" cy="0"/>
+          </a:xfrm>
+          <a:prstGeom prst="line">
+            <a:avLst/>
+          </a:prstGeom>
+          <a:ln>
+            <a:solidFill>
+              <a:schemeClr val="accent5">
+                <a:lumMod val="40000"/>
+                <a:lumOff val="60000"/>
+              </a:schemeClr>
+            </a:solidFill>
+          </a:ln>
+        </p:spPr>
+        <p:style>
+          <a:lnRef idx="2">
+            <a:schemeClr val="accent1"/>
+          </a:lnRef>
+          <a:fillRef idx="0">
+            <a:schemeClr val="accent1"/>
+          </a:fillRef>
+          <a:effectRef idx="1">
+            <a:schemeClr val="accent1"/>
+          </a:effectRef>
+          <a:fontRef idx="minor">
+            <a:schemeClr val="tx1"/>
+          </a:fontRef>
+        </p:style>
+      </p:cxnSp>
     </p:spTree>
     <p:extLst>
       <p:ext uri="{BB962C8B-B14F-4D97-AF65-F5344CB8AC3E}">
